--- a/Interview_Repo/PPT/ppt_for_環球睿視.pptx
+++ b/Interview_Repo/PPT/ppt_for_環球睿視.pptx
@@ -4,11 +4,27 @@
   <p:sldMasterIdLst>
     <p:sldMasterId id="2147483648" r:id="rId1"/>
   </p:sldMasterIdLst>
+  <p:notesMasterIdLst>
+    <p:notesMasterId r:id="rId19"/>
+  </p:notesMasterIdLst>
   <p:sldIdLst>
     <p:sldId id="256" r:id="rId2"/>
-    <p:sldId id="257" r:id="rId3"/>
-    <p:sldId id="258" r:id="rId4"/>
-    <p:sldId id="259" r:id="rId5"/>
+    <p:sldId id="265" r:id="rId3"/>
+    <p:sldId id="266" r:id="rId4"/>
+    <p:sldId id="257" r:id="rId5"/>
+    <p:sldId id="258" r:id="rId6"/>
+    <p:sldId id="259" r:id="rId7"/>
+    <p:sldId id="267" r:id="rId8"/>
+    <p:sldId id="261" r:id="rId9"/>
+    <p:sldId id="262" r:id="rId10"/>
+    <p:sldId id="263" r:id="rId11"/>
+    <p:sldId id="264" r:id="rId12"/>
+    <p:sldId id="268" r:id="rId13"/>
+    <p:sldId id="269" r:id="rId14"/>
+    <p:sldId id="270" r:id="rId15"/>
+    <p:sldId id="271" r:id="rId16"/>
+    <p:sldId id="272" r:id="rId17"/>
+    <p:sldId id="273" r:id="rId18"/>
   </p:sldIdLst>
   <p:sldSz cx="12192000" cy="6858000"/>
   <p:notesSz cx="6858000" cy="9144000"/>
@@ -110,6 +126,1187 @@
 </p:presentation>
 </file>
 
+<file path=ppt/notesMasters/notesMaster1.xml><?xml version="1.0" encoding="utf-8"?>
+<p:notesMaster xmlns:a="http://schemas.openxmlformats.org/drawingml/2006/main" xmlns:r="http://schemas.openxmlformats.org/officeDocument/2006/relationships" xmlns:p="http://schemas.openxmlformats.org/presentationml/2006/main">
+  <p:cSld>
+    <p:bg>
+      <p:bgRef idx="1001">
+        <a:schemeClr val="bg1"/>
+      </p:bgRef>
+    </p:bg>
+    <p:spTree>
+      <p:nvGrpSpPr>
+        <p:cNvPr id="1" name=""/>
+        <p:cNvGrpSpPr/>
+        <p:nvPr/>
+      </p:nvGrpSpPr>
+      <p:grpSpPr>
+        <a:xfrm>
+          <a:off x="0" y="0"/>
+          <a:ext cx="0" cy="0"/>
+          <a:chOff x="0" y="0"/>
+          <a:chExt cx="0" cy="0"/>
+        </a:xfrm>
+      </p:grpSpPr>
+      <p:sp>
+        <p:nvSpPr>
+          <p:cNvPr id="2" name="頁首版面配置區 1"/>
+          <p:cNvSpPr>
+            <a:spLocks noGrp="1"/>
+          </p:cNvSpPr>
+          <p:nvPr>
+            <p:ph type="hdr" sz="quarter"/>
+          </p:nvPr>
+        </p:nvSpPr>
+        <p:spPr>
+          <a:xfrm>
+            <a:off x="0" y="0"/>
+            <a:ext cx="2971800" cy="458788"/>
+          </a:xfrm>
+          <a:prstGeom prst="rect">
+            <a:avLst/>
+          </a:prstGeom>
+        </p:spPr>
+        <p:txBody>
+          <a:bodyPr vert="horz" lIns="91440" tIns="45720" rIns="91440" bIns="45720" rtlCol="0"/>
+          <a:lstStyle>
+            <a:lvl1pPr algn="l">
+              <a:defRPr sz="1200"/>
+            </a:lvl1pPr>
+          </a:lstStyle>
+          <a:p>
+            <a:endParaRPr kumimoji="1" lang="zh-TW" altLang="en-US"/>
+          </a:p>
+        </p:txBody>
+      </p:sp>
+      <p:sp>
+        <p:nvSpPr>
+          <p:cNvPr id="3" name="日期版面配置區 2"/>
+          <p:cNvSpPr>
+            <a:spLocks noGrp="1"/>
+          </p:cNvSpPr>
+          <p:nvPr>
+            <p:ph type="dt" idx="1"/>
+          </p:nvPr>
+        </p:nvSpPr>
+        <p:spPr>
+          <a:xfrm>
+            <a:off x="3884613" y="0"/>
+            <a:ext cx="2971800" cy="458788"/>
+          </a:xfrm>
+          <a:prstGeom prst="rect">
+            <a:avLst/>
+          </a:prstGeom>
+        </p:spPr>
+        <p:txBody>
+          <a:bodyPr vert="horz" lIns="91440" tIns="45720" rIns="91440" bIns="45720" rtlCol="0"/>
+          <a:lstStyle>
+            <a:lvl1pPr algn="r">
+              <a:defRPr sz="1200"/>
+            </a:lvl1pPr>
+          </a:lstStyle>
+          <a:p>
+            <a:fld id="{D87D3DBD-9C83-EE4D-B499-00A2451CDF2C}" type="datetimeFigureOut">
+              <a:rPr kumimoji="1" lang="zh-TW" altLang="en-US" smtClean="0"/>
+              <a:t>2024/9/6</a:t>
+            </a:fld>
+            <a:endParaRPr kumimoji="1" lang="zh-TW" altLang="en-US"/>
+          </a:p>
+        </p:txBody>
+      </p:sp>
+      <p:sp>
+        <p:nvSpPr>
+          <p:cNvPr id="4" name="投影片影像版面配置區 3"/>
+          <p:cNvSpPr>
+            <a:spLocks noGrp="1" noRot="1" noChangeAspect="1"/>
+          </p:cNvSpPr>
+          <p:nvPr>
+            <p:ph type="sldImg" idx="2"/>
+          </p:nvPr>
+        </p:nvSpPr>
+        <p:spPr>
+          <a:xfrm>
+            <a:off x="685800" y="1143000"/>
+            <a:ext cx="5486400" cy="3086100"/>
+          </a:xfrm>
+          <a:prstGeom prst="rect">
+            <a:avLst/>
+          </a:prstGeom>
+          <a:noFill/>
+          <a:ln w="12700">
+            <a:solidFill>
+              <a:prstClr val="black"/>
+            </a:solidFill>
+          </a:ln>
+        </p:spPr>
+        <p:txBody>
+          <a:bodyPr vert="horz" lIns="91440" tIns="45720" rIns="91440" bIns="45720" rtlCol="0" anchor="ctr"/>
+          <a:lstStyle/>
+          <a:p>
+            <a:endParaRPr lang="zh-TW" altLang="en-US"/>
+          </a:p>
+        </p:txBody>
+      </p:sp>
+      <p:sp>
+        <p:nvSpPr>
+          <p:cNvPr id="5" name="備忘稿版面配置區 4"/>
+          <p:cNvSpPr>
+            <a:spLocks noGrp="1"/>
+          </p:cNvSpPr>
+          <p:nvPr>
+            <p:ph type="body" sz="quarter" idx="3"/>
+          </p:nvPr>
+        </p:nvSpPr>
+        <p:spPr>
+          <a:xfrm>
+            <a:off x="685800" y="4400550"/>
+            <a:ext cx="5486400" cy="3600450"/>
+          </a:xfrm>
+          <a:prstGeom prst="rect">
+            <a:avLst/>
+          </a:prstGeom>
+        </p:spPr>
+        <p:txBody>
+          <a:bodyPr vert="horz" lIns="91440" tIns="45720" rIns="91440" bIns="45720" rtlCol="0"/>
+          <a:lstStyle/>
+          <a:p>
+            <a:pPr lvl="0"/>
+            <a:r>
+              <a:rPr kumimoji="1" lang="zh-TW" altLang="en-US"/>
+              <a:t>按一下以編輯母片文字樣式</a:t>
+            </a:r>
+          </a:p>
+          <a:p>
+            <a:pPr lvl="1"/>
+            <a:r>
+              <a:rPr kumimoji="1" lang="zh-TW" altLang="en-US"/>
+              <a:t>第二層</a:t>
+            </a:r>
+          </a:p>
+          <a:p>
+            <a:pPr lvl="2"/>
+            <a:r>
+              <a:rPr kumimoji="1" lang="zh-TW" altLang="en-US"/>
+              <a:t>第三層</a:t>
+            </a:r>
+          </a:p>
+          <a:p>
+            <a:pPr lvl="3"/>
+            <a:r>
+              <a:rPr kumimoji="1" lang="zh-TW" altLang="en-US"/>
+              <a:t>第四層</a:t>
+            </a:r>
+          </a:p>
+          <a:p>
+            <a:pPr lvl="4"/>
+            <a:r>
+              <a:rPr kumimoji="1" lang="zh-TW" altLang="en-US"/>
+              <a:t>第五層</a:t>
+            </a:r>
+          </a:p>
+        </p:txBody>
+      </p:sp>
+      <p:sp>
+        <p:nvSpPr>
+          <p:cNvPr id="6" name="頁尾版面配置區 5"/>
+          <p:cNvSpPr>
+            <a:spLocks noGrp="1"/>
+          </p:cNvSpPr>
+          <p:nvPr>
+            <p:ph type="ftr" sz="quarter" idx="4"/>
+          </p:nvPr>
+        </p:nvSpPr>
+        <p:spPr>
+          <a:xfrm>
+            <a:off x="0" y="8685213"/>
+            <a:ext cx="2971800" cy="458787"/>
+          </a:xfrm>
+          <a:prstGeom prst="rect">
+            <a:avLst/>
+          </a:prstGeom>
+        </p:spPr>
+        <p:txBody>
+          <a:bodyPr vert="horz" lIns="91440" tIns="45720" rIns="91440" bIns="45720" rtlCol="0" anchor="b"/>
+          <a:lstStyle>
+            <a:lvl1pPr algn="l">
+              <a:defRPr sz="1200"/>
+            </a:lvl1pPr>
+          </a:lstStyle>
+          <a:p>
+            <a:endParaRPr kumimoji="1" lang="zh-TW" altLang="en-US"/>
+          </a:p>
+        </p:txBody>
+      </p:sp>
+      <p:sp>
+        <p:nvSpPr>
+          <p:cNvPr id="7" name="投影片編號版面配置區 6"/>
+          <p:cNvSpPr>
+            <a:spLocks noGrp="1"/>
+          </p:cNvSpPr>
+          <p:nvPr>
+            <p:ph type="sldNum" sz="quarter" idx="5"/>
+          </p:nvPr>
+        </p:nvSpPr>
+        <p:spPr>
+          <a:xfrm>
+            <a:off x="3884613" y="8685213"/>
+            <a:ext cx="2971800" cy="458787"/>
+          </a:xfrm>
+          <a:prstGeom prst="rect">
+            <a:avLst/>
+          </a:prstGeom>
+        </p:spPr>
+        <p:txBody>
+          <a:bodyPr vert="horz" lIns="91440" tIns="45720" rIns="91440" bIns="45720" rtlCol="0" anchor="b"/>
+          <a:lstStyle>
+            <a:lvl1pPr algn="r">
+              <a:defRPr sz="1200"/>
+            </a:lvl1pPr>
+          </a:lstStyle>
+          <a:p>
+            <a:fld id="{EA75ECED-81AD-4246-8529-448AFA96890E}" type="slidenum">
+              <a:rPr kumimoji="1" lang="zh-TW" altLang="en-US" smtClean="0"/>
+              <a:t>‹#›</a:t>
+            </a:fld>
+            <a:endParaRPr kumimoji="1" lang="zh-TW" altLang="en-US"/>
+          </a:p>
+        </p:txBody>
+      </p:sp>
+    </p:spTree>
+    <p:extLst>
+      <p:ext uri="{BB962C8B-B14F-4D97-AF65-F5344CB8AC3E}">
+        <p14:creationId xmlns:p14="http://schemas.microsoft.com/office/powerpoint/2010/main" val="3134682115"/>
+      </p:ext>
+    </p:extLst>
+  </p:cSld>
+  <p:clrMap bg1="lt1" tx1="dk1" bg2="lt2" tx2="dk2" accent1="accent1" accent2="accent2" accent3="accent3" accent4="accent4" accent5="accent5" accent6="accent6" hlink="hlink" folHlink="folHlink"/>
+  <p:notesStyle>
+    <a:lvl1pPr marL="0" algn="l" defTabSz="914400" rtl="0" eaLnBrk="1" latinLnBrk="0" hangingPunct="1">
+      <a:defRPr sz="1200" kern="1200">
+        <a:solidFill>
+          <a:schemeClr val="tx1"/>
+        </a:solidFill>
+        <a:latin typeface="+mn-lt"/>
+        <a:ea typeface="+mn-ea"/>
+        <a:cs typeface="+mn-cs"/>
+      </a:defRPr>
+    </a:lvl1pPr>
+    <a:lvl2pPr marL="457200" algn="l" defTabSz="914400" rtl="0" eaLnBrk="1" latinLnBrk="0" hangingPunct="1">
+      <a:defRPr sz="1200" kern="1200">
+        <a:solidFill>
+          <a:schemeClr val="tx1"/>
+        </a:solidFill>
+        <a:latin typeface="+mn-lt"/>
+        <a:ea typeface="+mn-ea"/>
+        <a:cs typeface="+mn-cs"/>
+      </a:defRPr>
+    </a:lvl2pPr>
+    <a:lvl3pPr marL="914400" algn="l" defTabSz="914400" rtl="0" eaLnBrk="1" latinLnBrk="0" hangingPunct="1">
+      <a:defRPr sz="1200" kern="1200">
+        <a:solidFill>
+          <a:schemeClr val="tx1"/>
+        </a:solidFill>
+        <a:latin typeface="+mn-lt"/>
+        <a:ea typeface="+mn-ea"/>
+        <a:cs typeface="+mn-cs"/>
+      </a:defRPr>
+    </a:lvl3pPr>
+    <a:lvl4pPr marL="1371600" algn="l" defTabSz="914400" rtl="0" eaLnBrk="1" latinLnBrk="0" hangingPunct="1">
+      <a:defRPr sz="1200" kern="1200">
+        <a:solidFill>
+          <a:schemeClr val="tx1"/>
+        </a:solidFill>
+        <a:latin typeface="+mn-lt"/>
+        <a:ea typeface="+mn-ea"/>
+        <a:cs typeface="+mn-cs"/>
+      </a:defRPr>
+    </a:lvl4pPr>
+    <a:lvl5pPr marL="1828800" algn="l" defTabSz="914400" rtl="0" eaLnBrk="1" latinLnBrk="0" hangingPunct="1">
+      <a:defRPr sz="1200" kern="1200">
+        <a:solidFill>
+          <a:schemeClr val="tx1"/>
+        </a:solidFill>
+        <a:latin typeface="+mn-lt"/>
+        <a:ea typeface="+mn-ea"/>
+        <a:cs typeface="+mn-cs"/>
+      </a:defRPr>
+    </a:lvl5pPr>
+    <a:lvl6pPr marL="2286000" algn="l" defTabSz="914400" rtl="0" eaLnBrk="1" latinLnBrk="0" hangingPunct="1">
+      <a:defRPr sz="1200" kern="1200">
+        <a:solidFill>
+          <a:schemeClr val="tx1"/>
+        </a:solidFill>
+        <a:latin typeface="+mn-lt"/>
+        <a:ea typeface="+mn-ea"/>
+        <a:cs typeface="+mn-cs"/>
+      </a:defRPr>
+    </a:lvl6pPr>
+    <a:lvl7pPr marL="2743200" algn="l" defTabSz="914400" rtl="0" eaLnBrk="1" latinLnBrk="0" hangingPunct="1">
+      <a:defRPr sz="1200" kern="1200">
+        <a:solidFill>
+          <a:schemeClr val="tx1"/>
+        </a:solidFill>
+        <a:latin typeface="+mn-lt"/>
+        <a:ea typeface="+mn-ea"/>
+        <a:cs typeface="+mn-cs"/>
+      </a:defRPr>
+    </a:lvl7pPr>
+    <a:lvl8pPr marL="3200400" algn="l" defTabSz="914400" rtl="0" eaLnBrk="1" latinLnBrk="0" hangingPunct="1">
+      <a:defRPr sz="1200" kern="1200">
+        <a:solidFill>
+          <a:schemeClr val="tx1"/>
+        </a:solidFill>
+        <a:latin typeface="+mn-lt"/>
+        <a:ea typeface="+mn-ea"/>
+        <a:cs typeface="+mn-cs"/>
+      </a:defRPr>
+    </a:lvl8pPr>
+    <a:lvl9pPr marL="3657600" algn="l" defTabSz="914400" rtl="0" eaLnBrk="1" latinLnBrk="0" hangingPunct="1">
+      <a:defRPr sz="1200" kern="1200">
+        <a:solidFill>
+          <a:schemeClr val="tx1"/>
+        </a:solidFill>
+        <a:latin typeface="+mn-lt"/>
+        <a:ea typeface="+mn-ea"/>
+        <a:cs typeface="+mn-cs"/>
+      </a:defRPr>
+    </a:lvl9pPr>
+  </p:notesStyle>
+</p:notesMaster>
+</file>
+
+<file path=ppt/notesSlides/notesSlide1.xml><?xml version="1.0" encoding="utf-8"?>
+<p:notes xmlns:a="http://schemas.openxmlformats.org/drawingml/2006/main" xmlns:r="http://schemas.openxmlformats.org/officeDocument/2006/relationships" xmlns:p="http://schemas.openxmlformats.org/presentationml/2006/main" showMasterSp="0" showMasterPhAnim="0">
+  <p:cSld>
+    <p:spTree>
+      <p:nvGrpSpPr>
+        <p:cNvPr id="1" name="Shape 61"/>
+        <p:cNvGrpSpPr/>
+        <p:nvPr/>
+      </p:nvGrpSpPr>
+      <p:grpSpPr>
+        <a:xfrm>
+          <a:off x="0" y="0"/>
+          <a:ext cx="0" cy="0"/>
+          <a:chOff x="0" y="0"/>
+          <a:chExt cx="0" cy="0"/>
+        </a:xfrm>
+      </p:grpSpPr>
+      <p:sp>
+        <p:nvSpPr>
+          <p:cNvPr id="62" name="Google Shape;62;g13034851202_0_128:notes"/>
+          <p:cNvSpPr>
+            <a:spLocks noGrp="1" noRot="1" noChangeAspect="1"/>
+          </p:cNvSpPr>
+          <p:nvPr>
+            <p:ph type="sldImg" idx="2"/>
+          </p:nvPr>
+        </p:nvSpPr>
+        <p:spPr>
+          <a:xfrm>
+            <a:off x="381000" y="685800"/>
+            <a:ext cx="6096000" cy="3429000"/>
+          </a:xfrm>
+          <a:custGeom>
+            <a:avLst/>
+            <a:gdLst/>
+            <a:ahLst/>
+            <a:cxnLst/>
+            <a:rect l="l" t="t" r="r" b="b"/>
+            <a:pathLst>
+              <a:path w="120000" h="120000" extrusionOk="0">
+                <a:moveTo>
+                  <a:pt x="0" y="0"/>
+                </a:moveTo>
+                <a:lnTo>
+                  <a:pt x="120000" y="0"/>
+                </a:lnTo>
+                <a:lnTo>
+                  <a:pt x="120000" y="120000"/>
+                </a:lnTo>
+                <a:lnTo>
+                  <a:pt x="0" y="120000"/>
+                </a:lnTo>
+                <a:close/>
+              </a:path>
+            </a:pathLst>
+          </a:custGeom>
+        </p:spPr>
+      </p:sp>
+      <p:sp>
+        <p:nvSpPr>
+          <p:cNvPr id="63" name="Google Shape;63;g13034851202_0_128:notes"/>
+          <p:cNvSpPr txBox="1">
+            <a:spLocks noGrp="1"/>
+          </p:cNvSpPr>
+          <p:nvPr>
+            <p:ph type="body" idx="1"/>
+          </p:nvPr>
+        </p:nvSpPr>
+        <p:spPr>
+          <a:xfrm>
+            <a:off x="685800" y="4343400"/>
+            <a:ext cx="5486400" cy="4114800"/>
+          </a:xfrm>
+          <a:prstGeom prst="rect">
+            <a:avLst/>
+          </a:prstGeom>
+        </p:spPr>
+        <p:txBody>
+          <a:bodyPr spcFirstLastPara="1" wrap="square" lIns="91425" tIns="91425" rIns="91425" bIns="91425" anchor="t" anchorCtr="0">
+            <a:noAutofit/>
+          </a:bodyPr>
+          <a:lstStyle/>
+          <a:p>
+            <a:pPr marL="0" lvl="0" indent="0" algn="l" rtl="0">
+              <a:spcBef>
+                <a:spcPts val="0"/>
+              </a:spcBef>
+              <a:spcAft>
+                <a:spcPts val="0"/>
+              </a:spcAft>
+              <a:buNone/>
+            </a:pPr>
+            <a:endParaRPr/>
+          </a:p>
+        </p:txBody>
+      </p:sp>
+    </p:spTree>
+  </p:cSld>
+  <p:clrMapOvr>
+    <a:masterClrMapping/>
+  </p:clrMapOvr>
+</p:notes>
+</file>
+
+<file path=ppt/notesSlides/notesSlide2.xml><?xml version="1.0" encoding="utf-8"?>
+<p:notes xmlns:a="http://schemas.openxmlformats.org/drawingml/2006/main" xmlns:r="http://schemas.openxmlformats.org/officeDocument/2006/relationships" xmlns:p="http://schemas.openxmlformats.org/presentationml/2006/main" showMasterSp="0" showMasterPhAnim="0">
+  <p:cSld>
+    <p:spTree>
+      <p:nvGrpSpPr>
+        <p:cNvPr id="1" name="Shape 67"/>
+        <p:cNvGrpSpPr/>
+        <p:nvPr/>
+      </p:nvGrpSpPr>
+      <p:grpSpPr>
+        <a:xfrm>
+          <a:off x="0" y="0"/>
+          <a:ext cx="0" cy="0"/>
+          <a:chOff x="0" y="0"/>
+          <a:chExt cx="0" cy="0"/>
+        </a:xfrm>
+      </p:grpSpPr>
+      <p:sp>
+        <p:nvSpPr>
+          <p:cNvPr id="68" name="Google Shape;68;g13034851202_0_134:notes"/>
+          <p:cNvSpPr>
+            <a:spLocks noGrp="1" noRot="1" noChangeAspect="1"/>
+          </p:cNvSpPr>
+          <p:nvPr>
+            <p:ph type="sldImg" idx="2"/>
+          </p:nvPr>
+        </p:nvSpPr>
+        <p:spPr>
+          <a:xfrm>
+            <a:off x="381000" y="685800"/>
+            <a:ext cx="6096000" cy="3429000"/>
+          </a:xfrm>
+          <a:custGeom>
+            <a:avLst/>
+            <a:gdLst/>
+            <a:ahLst/>
+            <a:cxnLst/>
+            <a:rect l="l" t="t" r="r" b="b"/>
+            <a:pathLst>
+              <a:path w="120000" h="120000" extrusionOk="0">
+                <a:moveTo>
+                  <a:pt x="0" y="0"/>
+                </a:moveTo>
+                <a:lnTo>
+                  <a:pt x="120000" y="0"/>
+                </a:lnTo>
+                <a:lnTo>
+                  <a:pt x="120000" y="120000"/>
+                </a:lnTo>
+                <a:lnTo>
+                  <a:pt x="0" y="120000"/>
+                </a:lnTo>
+                <a:close/>
+              </a:path>
+            </a:pathLst>
+          </a:custGeom>
+        </p:spPr>
+      </p:sp>
+      <p:sp>
+        <p:nvSpPr>
+          <p:cNvPr id="69" name="Google Shape;69;g13034851202_0_134:notes"/>
+          <p:cNvSpPr txBox="1">
+            <a:spLocks noGrp="1"/>
+          </p:cNvSpPr>
+          <p:nvPr>
+            <p:ph type="body" idx="1"/>
+          </p:nvPr>
+        </p:nvSpPr>
+        <p:spPr>
+          <a:xfrm>
+            <a:off x="685800" y="4343400"/>
+            <a:ext cx="5486400" cy="4114800"/>
+          </a:xfrm>
+          <a:prstGeom prst="rect">
+            <a:avLst/>
+          </a:prstGeom>
+        </p:spPr>
+        <p:txBody>
+          <a:bodyPr spcFirstLastPara="1" wrap="square" lIns="91425" tIns="91425" rIns="91425" bIns="91425" anchor="t" anchorCtr="0">
+            <a:noAutofit/>
+          </a:bodyPr>
+          <a:lstStyle/>
+          <a:p>
+            <a:pPr marL="0" lvl="0" indent="0" algn="l" rtl="0">
+              <a:spcBef>
+                <a:spcPts val="0"/>
+              </a:spcBef>
+              <a:spcAft>
+                <a:spcPts val="0"/>
+              </a:spcAft>
+              <a:buNone/>
+            </a:pPr>
+            <a:endParaRPr/>
+          </a:p>
+        </p:txBody>
+      </p:sp>
+    </p:spTree>
+  </p:cSld>
+  <p:clrMapOvr>
+    <a:masterClrMapping/>
+  </p:clrMapOvr>
+</p:notes>
+</file>
+
+<file path=ppt/notesSlides/notesSlide3.xml><?xml version="1.0" encoding="utf-8"?>
+<p:notes xmlns:a="http://schemas.openxmlformats.org/drawingml/2006/main" xmlns:r="http://schemas.openxmlformats.org/officeDocument/2006/relationships" xmlns:p="http://schemas.openxmlformats.org/presentationml/2006/main" showMasterSp="0" showMasterPhAnim="0">
+  <p:cSld>
+    <p:spTree>
+      <p:nvGrpSpPr>
+        <p:cNvPr id="1" name="Shape 73"/>
+        <p:cNvGrpSpPr/>
+        <p:nvPr/>
+      </p:nvGrpSpPr>
+      <p:grpSpPr>
+        <a:xfrm>
+          <a:off x="0" y="0"/>
+          <a:ext cx="0" cy="0"/>
+          <a:chOff x="0" y="0"/>
+          <a:chExt cx="0" cy="0"/>
+        </a:xfrm>
+      </p:grpSpPr>
+      <p:sp>
+        <p:nvSpPr>
+          <p:cNvPr id="74" name="Google Shape;74;g13034851202_0_142:notes"/>
+          <p:cNvSpPr>
+            <a:spLocks noGrp="1" noRot="1" noChangeAspect="1"/>
+          </p:cNvSpPr>
+          <p:nvPr>
+            <p:ph type="sldImg" idx="2"/>
+          </p:nvPr>
+        </p:nvSpPr>
+        <p:spPr>
+          <a:xfrm>
+            <a:off x="381000" y="685800"/>
+            <a:ext cx="6096000" cy="3429000"/>
+          </a:xfrm>
+          <a:custGeom>
+            <a:avLst/>
+            <a:gdLst/>
+            <a:ahLst/>
+            <a:cxnLst/>
+            <a:rect l="l" t="t" r="r" b="b"/>
+            <a:pathLst>
+              <a:path w="120000" h="120000" extrusionOk="0">
+                <a:moveTo>
+                  <a:pt x="0" y="0"/>
+                </a:moveTo>
+                <a:lnTo>
+                  <a:pt x="120000" y="0"/>
+                </a:lnTo>
+                <a:lnTo>
+                  <a:pt x="120000" y="120000"/>
+                </a:lnTo>
+                <a:lnTo>
+                  <a:pt x="0" y="120000"/>
+                </a:lnTo>
+                <a:close/>
+              </a:path>
+            </a:pathLst>
+          </a:custGeom>
+        </p:spPr>
+      </p:sp>
+      <p:sp>
+        <p:nvSpPr>
+          <p:cNvPr id="75" name="Google Shape;75;g13034851202_0_142:notes"/>
+          <p:cNvSpPr txBox="1">
+            <a:spLocks noGrp="1"/>
+          </p:cNvSpPr>
+          <p:nvPr>
+            <p:ph type="body" idx="1"/>
+          </p:nvPr>
+        </p:nvSpPr>
+        <p:spPr>
+          <a:xfrm>
+            <a:off x="685800" y="4343400"/>
+            <a:ext cx="5486400" cy="4114800"/>
+          </a:xfrm>
+          <a:prstGeom prst="rect">
+            <a:avLst/>
+          </a:prstGeom>
+        </p:spPr>
+        <p:txBody>
+          <a:bodyPr spcFirstLastPara="1" wrap="square" lIns="91425" tIns="91425" rIns="91425" bIns="91425" anchor="t" anchorCtr="0">
+            <a:noAutofit/>
+          </a:bodyPr>
+          <a:lstStyle/>
+          <a:p>
+            <a:pPr marL="0" lvl="0" indent="0" algn="l" rtl="0">
+              <a:spcBef>
+                <a:spcPts val="0"/>
+              </a:spcBef>
+              <a:spcAft>
+                <a:spcPts val="0"/>
+              </a:spcAft>
+              <a:buNone/>
+            </a:pPr>
+            <a:endParaRPr/>
+          </a:p>
+        </p:txBody>
+      </p:sp>
+    </p:spTree>
+  </p:cSld>
+  <p:clrMapOvr>
+    <a:masterClrMapping/>
+  </p:clrMapOvr>
+</p:notes>
+</file>
+
+<file path=ppt/notesSlides/notesSlide4.xml><?xml version="1.0" encoding="utf-8"?>
+<p:notes xmlns:a="http://schemas.openxmlformats.org/drawingml/2006/main" xmlns:r="http://schemas.openxmlformats.org/officeDocument/2006/relationships" xmlns:p="http://schemas.openxmlformats.org/presentationml/2006/main" showMasterSp="0" showMasterPhAnim="0">
+  <p:cSld>
+    <p:spTree>
+      <p:nvGrpSpPr>
+        <p:cNvPr id="1" name="Shape 79"/>
+        <p:cNvGrpSpPr/>
+        <p:nvPr/>
+      </p:nvGrpSpPr>
+      <p:grpSpPr>
+        <a:xfrm>
+          <a:off x="0" y="0"/>
+          <a:ext cx="0" cy="0"/>
+          <a:chOff x="0" y="0"/>
+          <a:chExt cx="0" cy="0"/>
+        </a:xfrm>
+      </p:grpSpPr>
+      <p:sp>
+        <p:nvSpPr>
+          <p:cNvPr id="80" name="Google Shape;80;g13034851202_0_148:notes"/>
+          <p:cNvSpPr>
+            <a:spLocks noGrp="1" noRot="1" noChangeAspect="1"/>
+          </p:cNvSpPr>
+          <p:nvPr>
+            <p:ph type="sldImg" idx="2"/>
+          </p:nvPr>
+        </p:nvSpPr>
+        <p:spPr>
+          <a:xfrm>
+            <a:off x="381000" y="685800"/>
+            <a:ext cx="6096000" cy="3429000"/>
+          </a:xfrm>
+          <a:custGeom>
+            <a:avLst/>
+            <a:gdLst/>
+            <a:ahLst/>
+            <a:cxnLst/>
+            <a:rect l="l" t="t" r="r" b="b"/>
+            <a:pathLst>
+              <a:path w="120000" h="120000" extrusionOk="0">
+                <a:moveTo>
+                  <a:pt x="0" y="0"/>
+                </a:moveTo>
+                <a:lnTo>
+                  <a:pt x="120000" y="0"/>
+                </a:lnTo>
+                <a:lnTo>
+                  <a:pt x="120000" y="120000"/>
+                </a:lnTo>
+                <a:lnTo>
+                  <a:pt x="0" y="120000"/>
+                </a:lnTo>
+                <a:close/>
+              </a:path>
+            </a:pathLst>
+          </a:custGeom>
+        </p:spPr>
+      </p:sp>
+      <p:sp>
+        <p:nvSpPr>
+          <p:cNvPr id="81" name="Google Shape;81;g13034851202_0_148:notes"/>
+          <p:cNvSpPr txBox="1">
+            <a:spLocks noGrp="1"/>
+          </p:cNvSpPr>
+          <p:nvPr>
+            <p:ph type="body" idx="1"/>
+          </p:nvPr>
+        </p:nvSpPr>
+        <p:spPr>
+          <a:xfrm>
+            <a:off x="685800" y="4343400"/>
+            <a:ext cx="5486400" cy="4114800"/>
+          </a:xfrm>
+          <a:prstGeom prst="rect">
+            <a:avLst/>
+          </a:prstGeom>
+        </p:spPr>
+        <p:txBody>
+          <a:bodyPr spcFirstLastPara="1" wrap="square" lIns="91425" tIns="91425" rIns="91425" bIns="91425" anchor="t" anchorCtr="0">
+            <a:noAutofit/>
+          </a:bodyPr>
+          <a:lstStyle/>
+          <a:p>
+            <a:pPr marL="0" lvl="0" indent="0" algn="l" rtl="0">
+              <a:spcBef>
+                <a:spcPts val="0"/>
+              </a:spcBef>
+              <a:spcAft>
+                <a:spcPts val="0"/>
+              </a:spcAft>
+              <a:buNone/>
+            </a:pPr>
+            <a:endParaRPr/>
+          </a:p>
+        </p:txBody>
+      </p:sp>
+    </p:spTree>
+  </p:cSld>
+  <p:clrMapOvr>
+    <a:masterClrMapping/>
+  </p:clrMapOvr>
+</p:notes>
+</file>
+
+<file path=ppt/notesSlides/notesSlide5.xml><?xml version="1.0" encoding="utf-8"?>
+<p:notes xmlns:a="http://schemas.openxmlformats.org/drawingml/2006/main" xmlns:r="http://schemas.openxmlformats.org/officeDocument/2006/relationships" xmlns:p="http://schemas.openxmlformats.org/presentationml/2006/main" showMasterSp="0" showMasterPhAnim="0">
+  <p:cSld>
+    <p:spTree>
+      <p:nvGrpSpPr>
+        <p:cNvPr id="1" name="Shape 85"/>
+        <p:cNvGrpSpPr/>
+        <p:nvPr/>
+      </p:nvGrpSpPr>
+      <p:grpSpPr>
+        <a:xfrm>
+          <a:off x="0" y="0"/>
+          <a:ext cx="0" cy="0"/>
+          <a:chOff x="0" y="0"/>
+          <a:chExt cx="0" cy="0"/>
+        </a:xfrm>
+      </p:grpSpPr>
+      <p:sp>
+        <p:nvSpPr>
+          <p:cNvPr id="86" name="Google Shape;86;g13034851202_0_154:notes"/>
+          <p:cNvSpPr>
+            <a:spLocks noGrp="1" noRot="1" noChangeAspect="1"/>
+          </p:cNvSpPr>
+          <p:nvPr>
+            <p:ph type="sldImg" idx="2"/>
+          </p:nvPr>
+        </p:nvSpPr>
+        <p:spPr>
+          <a:xfrm>
+            <a:off x="381000" y="685800"/>
+            <a:ext cx="6096000" cy="3429000"/>
+          </a:xfrm>
+          <a:custGeom>
+            <a:avLst/>
+            <a:gdLst/>
+            <a:ahLst/>
+            <a:cxnLst/>
+            <a:rect l="l" t="t" r="r" b="b"/>
+            <a:pathLst>
+              <a:path w="120000" h="120000" extrusionOk="0">
+                <a:moveTo>
+                  <a:pt x="0" y="0"/>
+                </a:moveTo>
+                <a:lnTo>
+                  <a:pt x="120000" y="0"/>
+                </a:lnTo>
+                <a:lnTo>
+                  <a:pt x="120000" y="120000"/>
+                </a:lnTo>
+                <a:lnTo>
+                  <a:pt x="0" y="120000"/>
+                </a:lnTo>
+                <a:close/>
+              </a:path>
+            </a:pathLst>
+          </a:custGeom>
+        </p:spPr>
+      </p:sp>
+      <p:sp>
+        <p:nvSpPr>
+          <p:cNvPr id="87" name="Google Shape;87;g13034851202_0_154:notes"/>
+          <p:cNvSpPr txBox="1">
+            <a:spLocks noGrp="1"/>
+          </p:cNvSpPr>
+          <p:nvPr>
+            <p:ph type="body" idx="1"/>
+          </p:nvPr>
+        </p:nvSpPr>
+        <p:spPr>
+          <a:xfrm>
+            <a:off x="685800" y="4343400"/>
+            <a:ext cx="5486400" cy="4114800"/>
+          </a:xfrm>
+          <a:prstGeom prst="rect">
+            <a:avLst/>
+          </a:prstGeom>
+        </p:spPr>
+        <p:txBody>
+          <a:bodyPr spcFirstLastPara="1" wrap="square" lIns="91425" tIns="91425" rIns="91425" bIns="91425" anchor="t" anchorCtr="0">
+            <a:noAutofit/>
+          </a:bodyPr>
+          <a:lstStyle/>
+          <a:p>
+            <a:pPr marL="0" lvl="0" indent="0" algn="l" rtl="0">
+              <a:spcBef>
+                <a:spcPts val="0"/>
+              </a:spcBef>
+              <a:spcAft>
+                <a:spcPts val="0"/>
+              </a:spcAft>
+              <a:buNone/>
+            </a:pPr>
+            <a:endParaRPr/>
+          </a:p>
+        </p:txBody>
+      </p:sp>
+    </p:spTree>
+  </p:cSld>
+  <p:clrMapOvr>
+    <a:masterClrMapping/>
+  </p:clrMapOvr>
+</p:notes>
+</file>
+
+<file path=ppt/notesSlides/notesSlide6.xml><?xml version="1.0" encoding="utf-8"?>
+<p:notes xmlns:a="http://schemas.openxmlformats.org/drawingml/2006/main" xmlns:r="http://schemas.openxmlformats.org/officeDocument/2006/relationships" xmlns:p="http://schemas.openxmlformats.org/presentationml/2006/main" showMasterSp="0" showMasterPhAnim="0">
+  <p:cSld>
+    <p:spTree>
+      <p:nvGrpSpPr>
+        <p:cNvPr id="1" name="Shape 91"/>
+        <p:cNvGrpSpPr/>
+        <p:nvPr/>
+      </p:nvGrpSpPr>
+      <p:grpSpPr>
+        <a:xfrm>
+          <a:off x="0" y="0"/>
+          <a:ext cx="0" cy="0"/>
+          <a:chOff x="0" y="0"/>
+          <a:chExt cx="0" cy="0"/>
+        </a:xfrm>
+      </p:grpSpPr>
+      <p:sp>
+        <p:nvSpPr>
+          <p:cNvPr id="92" name="Google Shape;92;g13034851202_0_165:notes"/>
+          <p:cNvSpPr>
+            <a:spLocks noGrp="1" noRot="1" noChangeAspect="1"/>
+          </p:cNvSpPr>
+          <p:nvPr>
+            <p:ph type="sldImg" idx="2"/>
+          </p:nvPr>
+        </p:nvSpPr>
+        <p:spPr>
+          <a:xfrm>
+            <a:off x="381000" y="685800"/>
+            <a:ext cx="6096000" cy="3429000"/>
+          </a:xfrm>
+          <a:custGeom>
+            <a:avLst/>
+            <a:gdLst/>
+            <a:ahLst/>
+            <a:cxnLst/>
+            <a:rect l="l" t="t" r="r" b="b"/>
+            <a:pathLst>
+              <a:path w="120000" h="120000" extrusionOk="0">
+                <a:moveTo>
+                  <a:pt x="0" y="0"/>
+                </a:moveTo>
+                <a:lnTo>
+                  <a:pt x="120000" y="0"/>
+                </a:lnTo>
+                <a:lnTo>
+                  <a:pt x="120000" y="120000"/>
+                </a:lnTo>
+                <a:lnTo>
+                  <a:pt x="0" y="120000"/>
+                </a:lnTo>
+                <a:close/>
+              </a:path>
+            </a:pathLst>
+          </a:custGeom>
+        </p:spPr>
+      </p:sp>
+      <p:sp>
+        <p:nvSpPr>
+          <p:cNvPr id="93" name="Google Shape;93;g13034851202_0_165:notes"/>
+          <p:cNvSpPr txBox="1">
+            <a:spLocks noGrp="1"/>
+          </p:cNvSpPr>
+          <p:nvPr>
+            <p:ph type="body" idx="1"/>
+          </p:nvPr>
+        </p:nvSpPr>
+        <p:spPr>
+          <a:xfrm>
+            <a:off x="685800" y="4343400"/>
+            <a:ext cx="5486400" cy="4114800"/>
+          </a:xfrm>
+          <a:prstGeom prst="rect">
+            <a:avLst/>
+          </a:prstGeom>
+        </p:spPr>
+        <p:txBody>
+          <a:bodyPr spcFirstLastPara="1" wrap="square" lIns="91425" tIns="91425" rIns="91425" bIns="91425" anchor="t" anchorCtr="0">
+            <a:noAutofit/>
+          </a:bodyPr>
+          <a:lstStyle/>
+          <a:p>
+            <a:pPr marL="0" lvl="0" indent="0" algn="l" rtl="0">
+              <a:spcBef>
+                <a:spcPts val="0"/>
+              </a:spcBef>
+              <a:spcAft>
+                <a:spcPts val="0"/>
+              </a:spcAft>
+              <a:buNone/>
+            </a:pPr>
+            <a:endParaRPr/>
+          </a:p>
+        </p:txBody>
+      </p:sp>
+    </p:spTree>
+  </p:cSld>
+  <p:clrMapOvr>
+    <a:masterClrMapping/>
+  </p:clrMapOvr>
+</p:notes>
+</file>
+
+<file path=ppt/notesSlides/notesSlide7.xml><?xml version="1.0" encoding="utf-8"?>
+<p:notes xmlns:a="http://schemas.openxmlformats.org/drawingml/2006/main" xmlns:r="http://schemas.openxmlformats.org/officeDocument/2006/relationships" xmlns:p="http://schemas.openxmlformats.org/presentationml/2006/main" showMasterSp="0" showMasterPhAnim="0">
+  <p:cSld>
+    <p:spTree>
+      <p:nvGrpSpPr>
+        <p:cNvPr id="1" name="Shape 97"/>
+        <p:cNvGrpSpPr/>
+        <p:nvPr/>
+      </p:nvGrpSpPr>
+      <p:grpSpPr>
+        <a:xfrm>
+          <a:off x="0" y="0"/>
+          <a:ext cx="0" cy="0"/>
+          <a:chOff x="0" y="0"/>
+          <a:chExt cx="0" cy="0"/>
+        </a:xfrm>
+      </p:grpSpPr>
+      <p:sp>
+        <p:nvSpPr>
+          <p:cNvPr id="98" name="Google Shape;98;g13034851202_0_159:notes"/>
+          <p:cNvSpPr>
+            <a:spLocks noGrp="1" noRot="1" noChangeAspect="1"/>
+          </p:cNvSpPr>
+          <p:nvPr>
+            <p:ph type="sldImg" idx="2"/>
+          </p:nvPr>
+        </p:nvSpPr>
+        <p:spPr>
+          <a:xfrm>
+            <a:off x="381000" y="685800"/>
+            <a:ext cx="6096000" cy="3429000"/>
+          </a:xfrm>
+          <a:custGeom>
+            <a:avLst/>
+            <a:gdLst/>
+            <a:ahLst/>
+            <a:cxnLst/>
+            <a:rect l="l" t="t" r="r" b="b"/>
+            <a:pathLst>
+              <a:path w="120000" h="120000" extrusionOk="0">
+                <a:moveTo>
+                  <a:pt x="0" y="0"/>
+                </a:moveTo>
+                <a:lnTo>
+                  <a:pt x="120000" y="0"/>
+                </a:lnTo>
+                <a:lnTo>
+                  <a:pt x="120000" y="120000"/>
+                </a:lnTo>
+                <a:lnTo>
+                  <a:pt x="0" y="120000"/>
+                </a:lnTo>
+                <a:close/>
+              </a:path>
+            </a:pathLst>
+          </a:custGeom>
+        </p:spPr>
+      </p:sp>
+      <p:sp>
+        <p:nvSpPr>
+          <p:cNvPr id="99" name="Google Shape;99;g13034851202_0_159:notes"/>
+          <p:cNvSpPr txBox="1">
+            <a:spLocks noGrp="1"/>
+          </p:cNvSpPr>
+          <p:nvPr>
+            <p:ph type="body" idx="1"/>
+          </p:nvPr>
+        </p:nvSpPr>
+        <p:spPr>
+          <a:xfrm>
+            <a:off x="685800" y="4343400"/>
+            <a:ext cx="5486400" cy="4114800"/>
+          </a:xfrm>
+          <a:prstGeom prst="rect">
+            <a:avLst/>
+          </a:prstGeom>
+        </p:spPr>
+        <p:txBody>
+          <a:bodyPr spcFirstLastPara="1" wrap="square" lIns="91425" tIns="91425" rIns="91425" bIns="91425" anchor="t" anchorCtr="0">
+            <a:noAutofit/>
+          </a:bodyPr>
+          <a:lstStyle/>
+          <a:p>
+            <a:pPr marL="0" lvl="0" indent="0" algn="l" rtl="0">
+              <a:spcBef>
+                <a:spcPts val="0"/>
+              </a:spcBef>
+              <a:spcAft>
+                <a:spcPts val="0"/>
+              </a:spcAft>
+              <a:buNone/>
+            </a:pPr>
+            <a:endParaRPr/>
+          </a:p>
+        </p:txBody>
+      </p:sp>
+    </p:spTree>
+  </p:cSld>
+  <p:clrMapOvr>
+    <a:masterClrMapping/>
+  </p:clrMapOvr>
+</p:notes>
+</file>
+
+<file path=ppt/notesSlides/notesSlide8.xml><?xml version="1.0" encoding="utf-8"?>
+<p:notes xmlns:a="http://schemas.openxmlformats.org/drawingml/2006/main" xmlns:r="http://schemas.openxmlformats.org/officeDocument/2006/relationships" xmlns:p="http://schemas.openxmlformats.org/presentationml/2006/main" showMasterSp="0" showMasterPhAnim="0">
+  <p:cSld>
+    <p:spTree>
+      <p:nvGrpSpPr>
+        <p:cNvPr id="1" name="Shape 103"/>
+        <p:cNvGrpSpPr/>
+        <p:nvPr/>
+      </p:nvGrpSpPr>
+      <p:grpSpPr>
+        <a:xfrm>
+          <a:off x="0" y="0"/>
+          <a:ext cx="0" cy="0"/>
+          <a:chOff x="0" y="0"/>
+          <a:chExt cx="0" cy="0"/>
+        </a:xfrm>
+      </p:grpSpPr>
+      <p:sp>
+        <p:nvSpPr>
+          <p:cNvPr id="104" name="Google Shape;104;g13034851202_0_171:notes"/>
+          <p:cNvSpPr>
+            <a:spLocks noGrp="1" noRot="1" noChangeAspect="1"/>
+          </p:cNvSpPr>
+          <p:nvPr>
+            <p:ph type="sldImg" idx="2"/>
+          </p:nvPr>
+        </p:nvSpPr>
+        <p:spPr>
+          <a:xfrm>
+            <a:off x="381000" y="685800"/>
+            <a:ext cx="6096000" cy="3429000"/>
+          </a:xfrm>
+          <a:custGeom>
+            <a:avLst/>
+            <a:gdLst/>
+            <a:ahLst/>
+            <a:cxnLst/>
+            <a:rect l="l" t="t" r="r" b="b"/>
+            <a:pathLst>
+              <a:path w="120000" h="120000" extrusionOk="0">
+                <a:moveTo>
+                  <a:pt x="0" y="0"/>
+                </a:moveTo>
+                <a:lnTo>
+                  <a:pt x="120000" y="0"/>
+                </a:lnTo>
+                <a:lnTo>
+                  <a:pt x="120000" y="120000"/>
+                </a:lnTo>
+                <a:lnTo>
+                  <a:pt x="0" y="120000"/>
+                </a:lnTo>
+                <a:close/>
+              </a:path>
+            </a:pathLst>
+          </a:custGeom>
+        </p:spPr>
+      </p:sp>
+      <p:sp>
+        <p:nvSpPr>
+          <p:cNvPr id="105" name="Google Shape;105;g13034851202_0_171:notes"/>
+          <p:cNvSpPr txBox="1">
+            <a:spLocks noGrp="1"/>
+          </p:cNvSpPr>
+          <p:nvPr>
+            <p:ph type="body" idx="1"/>
+          </p:nvPr>
+        </p:nvSpPr>
+        <p:spPr>
+          <a:xfrm>
+            <a:off x="685800" y="4343400"/>
+            <a:ext cx="5486400" cy="4114800"/>
+          </a:xfrm>
+          <a:prstGeom prst="rect">
+            <a:avLst/>
+          </a:prstGeom>
+        </p:spPr>
+        <p:txBody>
+          <a:bodyPr spcFirstLastPara="1" wrap="square" lIns="91425" tIns="91425" rIns="91425" bIns="91425" anchor="t" anchorCtr="0">
+            <a:noAutofit/>
+          </a:bodyPr>
+          <a:lstStyle/>
+          <a:p>
+            <a:pPr marL="0" lvl="0" indent="0" algn="l" rtl="0">
+              <a:spcBef>
+                <a:spcPts val="0"/>
+              </a:spcBef>
+              <a:spcAft>
+                <a:spcPts val="0"/>
+              </a:spcAft>
+              <a:buNone/>
+            </a:pPr>
+            <a:endParaRPr/>
+          </a:p>
+        </p:txBody>
+      </p:sp>
+    </p:spTree>
+  </p:cSld>
+  <p:clrMapOvr>
+    <a:masterClrMapping/>
+  </p:clrMapOvr>
+</p:notes>
+</file>
+
 <file path=ppt/slideLayouts/slideLayout1.xml><?xml version="1.0" encoding="utf-8"?>
 <p:sldLayout xmlns:a="http://schemas.openxmlformats.org/drawingml/2006/main" xmlns:r="http://schemas.openxmlformats.org/officeDocument/2006/relationships" xmlns:p="http://schemas.openxmlformats.org/presentationml/2006/main" type="title" preserve="1">
   <p:cSld name="標題投影片">
@@ -644,6 +1841,428 @@
     <p:extLst>
       <p:ext uri="{BB962C8B-B14F-4D97-AF65-F5344CB8AC3E}">
         <p14:creationId xmlns:p14="http://schemas.microsoft.com/office/powerpoint/2010/main" val="3532697363"/>
+      </p:ext>
+    </p:extLst>
+  </p:cSld>
+  <p:clrMapOvr>
+    <a:masterClrMapping/>
+  </p:clrMapOvr>
+</p:sldLayout>
+</file>
+
+<file path=ppt/slideLayouts/slideLayout12.xml><?xml version="1.0" encoding="utf-8"?>
+<p:sldLayout xmlns:a="http://schemas.openxmlformats.org/drawingml/2006/main" xmlns:r="http://schemas.openxmlformats.org/officeDocument/2006/relationships" xmlns:p="http://schemas.openxmlformats.org/presentationml/2006/main" matchingName="Title and body" type="tx">
+  <p:cSld name="Title and body">
+    <p:spTree>
+      <p:nvGrpSpPr>
+        <p:cNvPr id="1" name="Shape 16"/>
+        <p:cNvGrpSpPr/>
+        <p:nvPr/>
+      </p:nvGrpSpPr>
+      <p:grpSpPr>
+        <a:xfrm>
+          <a:off x="0" y="0"/>
+          <a:ext cx="0" cy="0"/>
+          <a:chOff x="0" y="0"/>
+          <a:chExt cx="0" cy="0"/>
+        </a:xfrm>
+      </p:grpSpPr>
+      <p:sp>
+        <p:nvSpPr>
+          <p:cNvPr id="17" name="Google Shape;17;p4"/>
+          <p:cNvSpPr txBox="1">
+            <a:spLocks noGrp="1"/>
+          </p:cNvSpPr>
+          <p:nvPr>
+            <p:ph type="title"/>
+          </p:nvPr>
+        </p:nvSpPr>
+        <p:spPr>
+          <a:xfrm>
+            <a:off x="415600" y="229700"/>
+            <a:ext cx="11360800" cy="763600"/>
+          </a:xfrm>
+          <a:prstGeom prst="rect">
+            <a:avLst/>
+          </a:prstGeom>
+        </p:spPr>
+        <p:txBody>
+          <a:bodyPr spcFirstLastPara="1" wrap="square" lIns="91425" tIns="91425" rIns="91425" bIns="91425" anchor="t" anchorCtr="0">
+            <a:normAutofit/>
+          </a:bodyPr>
+          <a:lstStyle>
+            <a:lvl1pPr lvl="0">
+              <a:spcBef>
+                <a:spcPts val="0"/>
+              </a:spcBef>
+              <a:spcAft>
+                <a:spcPts val="0"/>
+              </a:spcAft>
+              <a:buSzPts val="2800"/>
+              <a:buNone/>
+              <a:defRPr/>
+            </a:lvl1pPr>
+            <a:lvl2pPr lvl="1">
+              <a:spcBef>
+                <a:spcPts val="0"/>
+              </a:spcBef>
+              <a:spcAft>
+                <a:spcPts val="0"/>
+              </a:spcAft>
+              <a:buSzPts val="2800"/>
+              <a:buNone/>
+              <a:defRPr/>
+            </a:lvl2pPr>
+            <a:lvl3pPr lvl="2">
+              <a:spcBef>
+                <a:spcPts val="0"/>
+              </a:spcBef>
+              <a:spcAft>
+                <a:spcPts val="0"/>
+              </a:spcAft>
+              <a:buSzPts val="2800"/>
+              <a:buNone/>
+              <a:defRPr/>
+            </a:lvl3pPr>
+            <a:lvl4pPr lvl="3">
+              <a:spcBef>
+                <a:spcPts val="0"/>
+              </a:spcBef>
+              <a:spcAft>
+                <a:spcPts val="0"/>
+              </a:spcAft>
+              <a:buSzPts val="2800"/>
+              <a:buNone/>
+              <a:defRPr/>
+            </a:lvl4pPr>
+            <a:lvl5pPr lvl="4">
+              <a:spcBef>
+                <a:spcPts val="0"/>
+              </a:spcBef>
+              <a:spcAft>
+                <a:spcPts val="0"/>
+              </a:spcAft>
+              <a:buSzPts val="2800"/>
+              <a:buNone/>
+              <a:defRPr/>
+            </a:lvl5pPr>
+            <a:lvl6pPr lvl="5">
+              <a:spcBef>
+                <a:spcPts val="0"/>
+              </a:spcBef>
+              <a:spcAft>
+                <a:spcPts val="0"/>
+              </a:spcAft>
+              <a:buSzPts val="2800"/>
+              <a:buNone/>
+              <a:defRPr/>
+            </a:lvl6pPr>
+            <a:lvl7pPr lvl="6">
+              <a:spcBef>
+                <a:spcPts val="0"/>
+              </a:spcBef>
+              <a:spcAft>
+                <a:spcPts val="0"/>
+              </a:spcAft>
+              <a:buSzPts val="2800"/>
+              <a:buNone/>
+              <a:defRPr/>
+            </a:lvl7pPr>
+            <a:lvl8pPr lvl="7">
+              <a:spcBef>
+                <a:spcPts val="0"/>
+              </a:spcBef>
+              <a:spcAft>
+                <a:spcPts val="0"/>
+              </a:spcAft>
+              <a:buSzPts val="2800"/>
+              <a:buNone/>
+              <a:defRPr/>
+            </a:lvl8pPr>
+            <a:lvl9pPr lvl="8">
+              <a:spcBef>
+                <a:spcPts val="0"/>
+              </a:spcBef>
+              <a:spcAft>
+                <a:spcPts val="0"/>
+              </a:spcAft>
+              <a:buSzPts val="2800"/>
+              <a:buNone/>
+              <a:defRPr/>
+            </a:lvl9pPr>
+          </a:lstStyle>
+          <a:p>
+            <a:endParaRPr/>
+          </a:p>
+        </p:txBody>
+      </p:sp>
+      <p:sp>
+        <p:nvSpPr>
+          <p:cNvPr id="18" name="Google Shape;18;p4"/>
+          <p:cNvSpPr txBox="1">
+            <a:spLocks noGrp="1"/>
+          </p:cNvSpPr>
+          <p:nvPr>
+            <p:ph type="body" idx="1"/>
+          </p:nvPr>
+        </p:nvSpPr>
+        <p:spPr>
+          <a:xfrm>
+            <a:off x="415600" y="1134065"/>
+            <a:ext cx="11360800" cy="5331600"/>
+          </a:xfrm>
+          <a:prstGeom prst="rect">
+            <a:avLst/>
+          </a:prstGeom>
+        </p:spPr>
+        <p:txBody>
+          <a:bodyPr spcFirstLastPara="1" wrap="square" lIns="91425" tIns="91425" rIns="91425" bIns="91425" anchor="t" anchorCtr="0">
+            <a:normAutofit/>
+          </a:bodyPr>
+          <a:lstStyle>
+            <a:lvl1pPr marL="609585" lvl="0" indent="-474121">
+              <a:spcBef>
+                <a:spcPts val="0"/>
+              </a:spcBef>
+              <a:spcAft>
+                <a:spcPts val="0"/>
+              </a:spcAft>
+              <a:buClr>
+                <a:schemeClr val="dk1"/>
+              </a:buClr>
+              <a:buSzPts val="2000"/>
+              <a:buChar char="●"/>
+              <a:defRPr sz="2667">
+                <a:solidFill>
+                  <a:schemeClr val="dk1"/>
+                </a:solidFill>
+              </a:defRPr>
+            </a:lvl1pPr>
+            <a:lvl2pPr marL="1219170" lvl="1" indent="-440256">
+              <a:spcBef>
+                <a:spcPts val="0"/>
+              </a:spcBef>
+              <a:spcAft>
+                <a:spcPts val="0"/>
+              </a:spcAft>
+              <a:buClr>
+                <a:schemeClr val="dk1"/>
+              </a:buClr>
+              <a:buSzPts val="1600"/>
+              <a:buChar char="○"/>
+              <a:defRPr sz="2133">
+                <a:solidFill>
+                  <a:schemeClr val="dk1"/>
+                </a:solidFill>
+              </a:defRPr>
+            </a:lvl2pPr>
+            <a:lvl3pPr marL="1828754" lvl="2" indent="-440256">
+              <a:spcBef>
+                <a:spcPts val="0"/>
+              </a:spcBef>
+              <a:spcAft>
+                <a:spcPts val="0"/>
+              </a:spcAft>
+              <a:buClr>
+                <a:schemeClr val="dk1"/>
+              </a:buClr>
+              <a:buSzPts val="1600"/>
+              <a:buChar char="■"/>
+              <a:defRPr sz="2133">
+                <a:solidFill>
+                  <a:schemeClr val="dk1"/>
+                </a:solidFill>
+              </a:defRPr>
+            </a:lvl3pPr>
+            <a:lvl4pPr marL="2438339" lvl="3" indent="-423323">
+              <a:spcBef>
+                <a:spcPts val="0"/>
+              </a:spcBef>
+              <a:spcAft>
+                <a:spcPts val="0"/>
+              </a:spcAft>
+              <a:buClr>
+                <a:schemeClr val="dk1"/>
+              </a:buClr>
+              <a:buSzPts val="1400"/>
+              <a:buChar char="●"/>
+              <a:defRPr>
+                <a:solidFill>
+                  <a:schemeClr val="dk1"/>
+                </a:solidFill>
+              </a:defRPr>
+            </a:lvl4pPr>
+            <a:lvl5pPr marL="3047924" lvl="4" indent="-423323">
+              <a:spcBef>
+                <a:spcPts val="0"/>
+              </a:spcBef>
+              <a:spcAft>
+                <a:spcPts val="0"/>
+              </a:spcAft>
+              <a:buClr>
+                <a:schemeClr val="dk1"/>
+              </a:buClr>
+              <a:buSzPts val="1400"/>
+              <a:buChar char="○"/>
+              <a:defRPr>
+                <a:solidFill>
+                  <a:schemeClr val="dk1"/>
+                </a:solidFill>
+              </a:defRPr>
+            </a:lvl5pPr>
+            <a:lvl6pPr marL="3657509" lvl="5" indent="-423323">
+              <a:spcBef>
+                <a:spcPts val="0"/>
+              </a:spcBef>
+              <a:spcAft>
+                <a:spcPts val="0"/>
+              </a:spcAft>
+              <a:buClr>
+                <a:schemeClr val="dk1"/>
+              </a:buClr>
+              <a:buSzPts val="1400"/>
+              <a:buChar char="■"/>
+              <a:defRPr>
+                <a:solidFill>
+                  <a:schemeClr val="dk1"/>
+                </a:solidFill>
+              </a:defRPr>
+            </a:lvl6pPr>
+            <a:lvl7pPr marL="4267093" lvl="6" indent="-423323">
+              <a:spcBef>
+                <a:spcPts val="0"/>
+              </a:spcBef>
+              <a:spcAft>
+                <a:spcPts val="0"/>
+              </a:spcAft>
+              <a:buClr>
+                <a:schemeClr val="dk1"/>
+              </a:buClr>
+              <a:buSzPts val="1400"/>
+              <a:buChar char="●"/>
+              <a:defRPr>
+                <a:solidFill>
+                  <a:schemeClr val="dk1"/>
+                </a:solidFill>
+              </a:defRPr>
+            </a:lvl7pPr>
+            <a:lvl8pPr marL="4876678" lvl="7" indent="-423323">
+              <a:spcBef>
+                <a:spcPts val="0"/>
+              </a:spcBef>
+              <a:spcAft>
+                <a:spcPts val="0"/>
+              </a:spcAft>
+              <a:buClr>
+                <a:schemeClr val="dk1"/>
+              </a:buClr>
+              <a:buSzPts val="1400"/>
+              <a:buChar char="○"/>
+              <a:defRPr>
+                <a:solidFill>
+                  <a:schemeClr val="dk1"/>
+                </a:solidFill>
+              </a:defRPr>
+            </a:lvl8pPr>
+            <a:lvl9pPr marL="5486263" lvl="8" indent="-423323">
+              <a:spcBef>
+                <a:spcPts val="0"/>
+              </a:spcBef>
+              <a:spcAft>
+                <a:spcPts val="0"/>
+              </a:spcAft>
+              <a:buClr>
+                <a:schemeClr val="dk1"/>
+              </a:buClr>
+              <a:buSzPts val="1400"/>
+              <a:buChar char="■"/>
+              <a:defRPr>
+                <a:solidFill>
+                  <a:schemeClr val="dk1"/>
+                </a:solidFill>
+              </a:defRPr>
+            </a:lvl9pPr>
+          </a:lstStyle>
+          <a:p>
+            <a:endParaRPr/>
+          </a:p>
+        </p:txBody>
+      </p:sp>
+      <p:sp>
+        <p:nvSpPr>
+          <p:cNvPr id="19" name="Google Shape;19;p4"/>
+          <p:cNvSpPr txBox="1">
+            <a:spLocks noGrp="1"/>
+          </p:cNvSpPr>
+          <p:nvPr>
+            <p:ph type="sldNum" idx="12"/>
+          </p:nvPr>
+        </p:nvSpPr>
+        <p:spPr>
+          <a:xfrm>
+            <a:off x="11296611" y="6217623"/>
+            <a:ext cx="731600" cy="524800"/>
+          </a:xfrm>
+          <a:prstGeom prst="rect">
+            <a:avLst/>
+          </a:prstGeom>
+        </p:spPr>
+        <p:txBody>
+          <a:bodyPr spcFirstLastPara="1" wrap="square" lIns="91425" tIns="91425" rIns="91425" bIns="91425" anchor="ctr" anchorCtr="0">
+            <a:normAutofit/>
+          </a:bodyPr>
+          <a:lstStyle>
+            <a:lvl1pPr lvl="0">
+              <a:buNone/>
+              <a:defRPr/>
+            </a:lvl1pPr>
+            <a:lvl2pPr lvl="1">
+              <a:buNone/>
+              <a:defRPr/>
+            </a:lvl2pPr>
+            <a:lvl3pPr lvl="2">
+              <a:buNone/>
+              <a:defRPr/>
+            </a:lvl3pPr>
+            <a:lvl4pPr lvl="3">
+              <a:buNone/>
+              <a:defRPr/>
+            </a:lvl4pPr>
+            <a:lvl5pPr lvl="4">
+              <a:buNone/>
+              <a:defRPr/>
+            </a:lvl5pPr>
+            <a:lvl6pPr lvl="5">
+              <a:buNone/>
+              <a:defRPr/>
+            </a:lvl6pPr>
+            <a:lvl7pPr lvl="6">
+              <a:buNone/>
+              <a:defRPr/>
+            </a:lvl7pPr>
+            <a:lvl8pPr lvl="7">
+              <a:buNone/>
+              <a:defRPr/>
+            </a:lvl8pPr>
+            <a:lvl9pPr lvl="8">
+              <a:buNone/>
+              <a:defRPr/>
+            </a:lvl9pPr>
+          </a:lstStyle>
+          <a:p>
+            <a:fld id="{00000000-1234-1234-1234-123412341234}" type="slidenum">
+              <a:rPr lang="en-US" altLang="zh-TW" smtClean="0"/>
+              <a:pPr/>
+              <a:t>‹#›</a:t>
+            </a:fld>
+            <a:endParaRPr lang="zh-TW" altLang="en-US"/>
+          </a:p>
+        </p:txBody>
+      </p:sp>
+    </p:spTree>
+    <p:extLst>
+      <p:ext uri="{BB962C8B-B14F-4D97-AF65-F5344CB8AC3E}">
+        <p14:creationId xmlns:p14="http://schemas.microsoft.com/office/powerpoint/2010/main" val="2308385528"/>
       </p:ext>
     </p:extLst>
   </p:cSld>
@@ -2907,6 +4526,7 @@
     <p:sldLayoutId id="2147483657" r:id="rId9"/>
     <p:sldLayoutId id="2147483658" r:id="rId10"/>
     <p:sldLayoutId id="2147483659" r:id="rId11"/>
+    <p:sldLayoutId id="2147483660" r:id="rId12"/>
   </p:sldLayoutIdLst>
   <p:txStyles>
     <p:titleStyle>
@@ -3259,6 +4879,1405 @@
 </p:sld>
 </file>
 
+<file path=ppt/slides/slide10.xml><?xml version="1.0" encoding="utf-8"?>
+<p:sld xmlns:a="http://schemas.openxmlformats.org/drawingml/2006/main" xmlns:r="http://schemas.openxmlformats.org/officeDocument/2006/relationships" xmlns:p="http://schemas.openxmlformats.org/presentationml/2006/main">
+  <p:cSld>
+    <p:spTree>
+      <p:nvGrpSpPr>
+        <p:cNvPr id="1" name="Shape 76"/>
+        <p:cNvGrpSpPr/>
+        <p:nvPr/>
+      </p:nvGrpSpPr>
+      <p:grpSpPr>
+        <a:xfrm>
+          <a:off x="0" y="0"/>
+          <a:ext cx="0" cy="0"/>
+          <a:chOff x="0" y="0"/>
+          <a:chExt cx="0" cy="0"/>
+        </a:xfrm>
+      </p:grpSpPr>
+      <p:sp>
+        <p:nvSpPr>
+          <p:cNvPr id="77" name="Google Shape;77;p17"/>
+          <p:cNvSpPr txBox="1">
+            <a:spLocks noGrp="1"/>
+          </p:cNvSpPr>
+          <p:nvPr>
+            <p:ph type="title"/>
+          </p:nvPr>
+        </p:nvSpPr>
+        <p:spPr>
+          <a:xfrm>
+            <a:off x="415600" y="229700"/>
+            <a:ext cx="11360800" cy="763600"/>
+          </a:xfrm>
+          <a:prstGeom prst="rect">
+            <a:avLst/>
+          </a:prstGeom>
+        </p:spPr>
+        <p:txBody>
+          <a:bodyPr spcFirstLastPara="1" vert="horz" wrap="square" lIns="121900" tIns="121900" rIns="121900" bIns="121900" rtlCol="0" anchor="t" anchorCtr="0">
+            <a:normAutofit fontScale="90000"/>
+          </a:bodyPr>
+          <a:lstStyle/>
+          <a:p>
+            <a:pPr>
+              <a:buClr>
+                <a:schemeClr val="dk1"/>
+              </a:buClr>
+              <a:buSzPct val="39285"/>
+            </a:pPr>
+            <a:r>
+              <a:rPr lang="zh-TW" dirty="0">
+                <a:latin typeface="Kaiti SC" panose="02010600040101010101" pitchFamily="2" charset="-122"/>
+                <a:ea typeface="Kaiti SC" panose="02010600040101010101" pitchFamily="2" charset="-122"/>
+              </a:rPr>
+              <a:t>VAD及KWS開發簡介</a:t>
+            </a:r>
+            <a:endParaRPr dirty="0">
+              <a:latin typeface="Kaiti SC" panose="02010600040101010101" pitchFamily="2" charset="-122"/>
+              <a:ea typeface="Kaiti SC" panose="02010600040101010101" pitchFamily="2" charset="-122"/>
+            </a:endParaRPr>
+          </a:p>
+        </p:txBody>
+      </p:sp>
+      <p:sp>
+        <p:nvSpPr>
+          <p:cNvPr id="78" name="Google Shape;78;p17"/>
+          <p:cNvSpPr txBox="1"/>
+          <p:nvPr/>
+        </p:nvSpPr>
+        <p:spPr>
+          <a:xfrm>
+            <a:off x="330700" y="1101567"/>
+            <a:ext cx="11697600" cy="5434800"/>
+          </a:xfrm>
+          <a:prstGeom prst="rect">
+            <a:avLst/>
+          </a:prstGeom>
+          <a:noFill/>
+          <a:ln>
+            <a:noFill/>
+          </a:ln>
+        </p:spPr>
+        <p:txBody>
+          <a:bodyPr spcFirstLastPara="1" wrap="square" lIns="121900" tIns="121900" rIns="121900" bIns="121900" anchor="t" anchorCtr="0">
+            <a:normAutofit/>
+          </a:bodyPr>
+          <a:lstStyle/>
+          <a:p>
+            <a:pPr>
+              <a:lnSpc>
+                <a:spcPct val="150000"/>
+              </a:lnSpc>
+            </a:pPr>
+            <a:r>
+              <a:rPr lang="en-US" altLang="zh-TW" sz="2667" dirty="0">
+                <a:solidFill>
+                  <a:schemeClr val="dk1"/>
+                </a:solidFill>
+              </a:rPr>
+              <a:t>1. </a:t>
+            </a:r>
+            <a:r>
+              <a:rPr lang="en-US" altLang="zh-TW" sz="2800" dirty="0">
+                <a:solidFill>
+                  <a:schemeClr val="dk1"/>
+                </a:solidFill>
+              </a:rPr>
+              <a:t>Deep Learning Framework: </a:t>
+            </a:r>
+            <a:r>
+              <a:rPr lang="en-US" altLang="zh-TW" sz="2800" dirty="0" err="1">
+                <a:solidFill>
+                  <a:schemeClr val="dk1"/>
+                </a:solidFill>
+              </a:rPr>
+              <a:t>Tensorflow</a:t>
+            </a:r>
+            <a:r>
+              <a:rPr lang="en-US" altLang="zh-TW" sz="2800" dirty="0">
+                <a:solidFill>
+                  <a:schemeClr val="dk1"/>
+                </a:solidFill>
+              </a:rPr>
+              <a:t> and </a:t>
+            </a:r>
+            <a:r>
+              <a:rPr lang="en-US" altLang="zh-TW" sz="2800" dirty="0" err="1">
+                <a:solidFill>
+                  <a:schemeClr val="dk1"/>
+                </a:solidFill>
+              </a:rPr>
+              <a:t>Pytorch</a:t>
+            </a:r>
+            <a:endParaRPr sz="2800" dirty="0">
+              <a:solidFill>
+                <a:schemeClr val="dk1"/>
+              </a:solidFill>
+            </a:endParaRPr>
+          </a:p>
+          <a:p>
+            <a:pPr>
+              <a:lnSpc>
+                <a:spcPct val="150000"/>
+              </a:lnSpc>
+              <a:spcBef>
+                <a:spcPts val="1600"/>
+              </a:spcBef>
+            </a:pPr>
+            <a:r>
+              <a:rPr lang="en-US" altLang="zh-TW" sz="2800" dirty="0">
+                <a:solidFill>
+                  <a:schemeClr val="dk1"/>
+                </a:solidFill>
+              </a:rPr>
+              <a:t>2. Deep Learning Model Architectures:</a:t>
+            </a:r>
+            <a:br>
+              <a:rPr lang="en-US" altLang="zh-TW" sz="2800" dirty="0">
+                <a:solidFill>
+                  <a:schemeClr val="dk1"/>
+                </a:solidFill>
+              </a:rPr>
+            </a:br>
+            <a:r>
+              <a:rPr lang="en-US" altLang="zh-TW" sz="2800" dirty="0">
+                <a:solidFill>
+                  <a:schemeClr val="dk1"/>
+                </a:solidFill>
+              </a:rPr>
+              <a:t>     VAD: Two-Layer Full Connected Neural Network.</a:t>
+            </a:r>
+            <a:br>
+              <a:rPr lang="en-US" altLang="zh-TW" sz="2800" dirty="0">
+                <a:solidFill>
+                  <a:schemeClr val="dk1"/>
+                </a:solidFill>
+              </a:rPr>
+            </a:br>
+            <a:r>
+              <a:rPr lang="en-US" altLang="zh-TW" sz="2800" dirty="0">
+                <a:solidFill>
+                  <a:schemeClr val="dk1"/>
+                </a:solidFill>
+              </a:rPr>
+              <a:t>     KWS: Three-Layer Full Connected Neural Network.</a:t>
+            </a:r>
+            <a:endParaRPr sz="2800" dirty="0">
+              <a:solidFill>
+                <a:schemeClr val="dk1"/>
+              </a:solidFill>
+            </a:endParaRPr>
+          </a:p>
+          <a:p>
+            <a:pPr>
+              <a:lnSpc>
+                <a:spcPct val="150000"/>
+              </a:lnSpc>
+              <a:spcBef>
+                <a:spcPts val="1600"/>
+              </a:spcBef>
+            </a:pPr>
+            <a:r>
+              <a:rPr lang="en-US" altLang="zh-TW" sz="2800" dirty="0">
+                <a:solidFill>
+                  <a:schemeClr val="dk1"/>
+                </a:solidFill>
+              </a:rPr>
+              <a:t>3. Training Speech Corpus: Keyword-spotting research datasets.</a:t>
+            </a:r>
+            <a:endParaRPr sz="2800" dirty="0">
+              <a:solidFill>
+                <a:schemeClr val="dk1"/>
+              </a:solidFill>
+            </a:endParaRPr>
+          </a:p>
+          <a:p>
+            <a:pPr>
+              <a:lnSpc>
+                <a:spcPct val="150000"/>
+              </a:lnSpc>
+              <a:spcBef>
+                <a:spcPts val="1600"/>
+              </a:spcBef>
+            </a:pPr>
+            <a:r>
+              <a:rPr lang="en-US" altLang="zh-TW" sz="2800" dirty="0">
+                <a:solidFill>
+                  <a:schemeClr val="dk1"/>
+                </a:solidFill>
+              </a:rPr>
+              <a:t>4. Compression Approach: Int8 Quantization.</a:t>
+            </a:r>
+            <a:endParaRPr sz="2800" dirty="0">
+              <a:solidFill>
+                <a:schemeClr val="dk1"/>
+              </a:solidFill>
+            </a:endParaRPr>
+          </a:p>
+          <a:p>
+            <a:pPr>
+              <a:lnSpc>
+                <a:spcPct val="115000"/>
+              </a:lnSpc>
+              <a:spcBef>
+                <a:spcPts val="1600"/>
+              </a:spcBef>
+              <a:spcAft>
+                <a:spcPts val="1600"/>
+              </a:spcAft>
+            </a:pPr>
+            <a:endParaRPr sz="2667" dirty="0">
+              <a:solidFill>
+                <a:schemeClr val="dk1"/>
+              </a:solidFill>
+            </a:endParaRPr>
+          </a:p>
+        </p:txBody>
+      </p:sp>
+    </p:spTree>
+  </p:cSld>
+  <p:clrMapOvr>
+    <a:masterClrMapping/>
+  </p:clrMapOvr>
+</p:sld>
+</file>
+
+<file path=ppt/slides/slide11.xml><?xml version="1.0" encoding="utf-8"?>
+<p:sld xmlns:a="http://schemas.openxmlformats.org/drawingml/2006/main" xmlns:r="http://schemas.openxmlformats.org/officeDocument/2006/relationships" xmlns:p="http://schemas.openxmlformats.org/presentationml/2006/main">
+  <p:cSld>
+    <p:spTree>
+      <p:nvGrpSpPr>
+        <p:cNvPr id="1" name="Shape 82"/>
+        <p:cNvGrpSpPr/>
+        <p:nvPr/>
+      </p:nvGrpSpPr>
+      <p:grpSpPr>
+        <a:xfrm>
+          <a:off x="0" y="0"/>
+          <a:ext cx="0" cy="0"/>
+          <a:chOff x="0" y="0"/>
+          <a:chExt cx="0" cy="0"/>
+        </a:xfrm>
+      </p:grpSpPr>
+      <p:sp>
+        <p:nvSpPr>
+          <p:cNvPr id="83" name="Google Shape;83;p18"/>
+          <p:cNvSpPr txBox="1">
+            <a:spLocks noGrp="1"/>
+          </p:cNvSpPr>
+          <p:nvPr>
+            <p:ph type="title"/>
+          </p:nvPr>
+        </p:nvSpPr>
+        <p:spPr>
+          <a:xfrm>
+            <a:off x="258437" y="262100"/>
+            <a:ext cx="11360800" cy="763600"/>
+          </a:xfrm>
+          <a:prstGeom prst="rect">
+            <a:avLst/>
+          </a:prstGeom>
+        </p:spPr>
+        <p:txBody>
+          <a:bodyPr spcFirstLastPara="1" vert="horz" wrap="square" lIns="121900" tIns="121900" rIns="121900" bIns="121900" rtlCol="0" anchor="t" anchorCtr="0">
+            <a:normAutofit fontScale="90000"/>
+          </a:bodyPr>
+          <a:lstStyle/>
+          <a:p>
+            <a:pPr>
+              <a:buClr>
+                <a:schemeClr val="dk1"/>
+              </a:buClr>
+              <a:buSzPct val="39285"/>
+            </a:pPr>
+            <a:r>
+              <a:rPr lang="zh-TW" dirty="0">
+                <a:latin typeface="Kaiti SC" panose="02010600040101010101" pitchFamily="2" charset="-122"/>
+                <a:ea typeface="Kaiti SC" panose="02010600040101010101" pitchFamily="2" charset="-122"/>
+              </a:rPr>
+              <a:t>專案成果</a:t>
+            </a:r>
+            <a:endParaRPr dirty="0">
+              <a:latin typeface="Kaiti SC" panose="02010600040101010101" pitchFamily="2" charset="-122"/>
+              <a:ea typeface="Kaiti SC" panose="02010600040101010101" pitchFamily="2" charset="-122"/>
+            </a:endParaRPr>
+          </a:p>
+        </p:txBody>
+      </p:sp>
+      <p:sp>
+        <p:nvSpPr>
+          <p:cNvPr id="84" name="Google Shape;84;p18"/>
+          <p:cNvSpPr txBox="1"/>
+          <p:nvPr/>
+        </p:nvSpPr>
+        <p:spPr>
+          <a:xfrm>
+            <a:off x="429888" y="1179044"/>
+            <a:ext cx="11697600" cy="5336060"/>
+          </a:xfrm>
+          <a:prstGeom prst="rect">
+            <a:avLst/>
+          </a:prstGeom>
+          <a:noFill/>
+          <a:ln>
+            <a:noFill/>
+          </a:ln>
+        </p:spPr>
+        <p:txBody>
+          <a:bodyPr spcFirstLastPara="1" wrap="square" lIns="121900" tIns="121900" rIns="121900" bIns="121900" anchor="t" anchorCtr="0">
+            <a:noAutofit/>
+          </a:bodyPr>
+          <a:lstStyle/>
+          <a:p>
+            <a:pPr>
+              <a:lnSpc>
+                <a:spcPct val="115000"/>
+              </a:lnSpc>
+            </a:pPr>
+            <a:r>
+              <a:rPr lang="en-US" altLang="zh-TW" sz="2800" dirty="0">
+                <a:solidFill>
+                  <a:schemeClr val="dk1"/>
+                </a:solidFill>
+                <a:latin typeface="Kaiti SC" panose="02010600040101010101" pitchFamily="2" charset="-122"/>
+                <a:ea typeface="Kaiti SC" panose="02010600040101010101" pitchFamily="2" charset="-122"/>
+              </a:rPr>
+              <a:t>VAD :</a:t>
+            </a:r>
+            <a:br>
+              <a:rPr lang="zh-TW" altLang="en-US" sz="2800" dirty="0">
+                <a:solidFill>
+                  <a:schemeClr val="dk1"/>
+                </a:solidFill>
+                <a:latin typeface="Kaiti SC" panose="02010600040101010101" pitchFamily="2" charset="-122"/>
+                <a:ea typeface="Kaiti SC" panose="02010600040101010101" pitchFamily="2" charset="-122"/>
+              </a:rPr>
+            </a:br>
+            <a:r>
+              <a:rPr lang="en-US" altLang="zh-TW" sz="2800" dirty="0">
+                <a:solidFill>
+                  <a:schemeClr val="dk1"/>
+                </a:solidFill>
+                <a:latin typeface="Kaiti SC" panose="02010600040101010101" pitchFamily="2" charset="-122"/>
+                <a:ea typeface="Kaiti SC" panose="02010600040101010101" pitchFamily="2" charset="-122"/>
+              </a:rPr>
+              <a:t>1. </a:t>
+            </a:r>
+            <a:r>
+              <a:rPr lang="zh-TW" altLang="en-US" sz="2800" dirty="0">
+                <a:solidFill>
+                  <a:schemeClr val="dk1"/>
+                </a:solidFill>
+                <a:latin typeface="Kaiti SC" panose="02010600040101010101" pitchFamily="2" charset="-122"/>
+                <a:ea typeface="Kaiti SC" panose="02010600040101010101" pitchFamily="2" charset="-122"/>
+              </a:rPr>
+              <a:t>已完成。</a:t>
+            </a:r>
+            <a:endParaRPr sz="2800" dirty="0">
+              <a:solidFill>
+                <a:schemeClr val="dk1"/>
+              </a:solidFill>
+              <a:latin typeface="Kaiti SC" panose="02010600040101010101" pitchFamily="2" charset="-122"/>
+              <a:ea typeface="Kaiti SC" panose="02010600040101010101" pitchFamily="2" charset="-122"/>
+            </a:endParaRPr>
+          </a:p>
+          <a:p>
+            <a:pPr>
+              <a:lnSpc>
+                <a:spcPct val="115000"/>
+              </a:lnSpc>
+              <a:spcBef>
+                <a:spcPts val="1600"/>
+              </a:spcBef>
+            </a:pPr>
+            <a:r>
+              <a:rPr lang="en-US" altLang="zh-TW" sz="2800" dirty="0">
+                <a:solidFill>
+                  <a:schemeClr val="dk1"/>
+                </a:solidFill>
+                <a:latin typeface="Kaiti SC" panose="02010600040101010101" pitchFamily="2" charset="-122"/>
+                <a:ea typeface="Kaiti SC" panose="02010600040101010101" pitchFamily="2" charset="-122"/>
+              </a:rPr>
+              <a:t>2. </a:t>
+            </a:r>
+            <a:r>
+              <a:rPr lang="zh-TW" altLang="en-US" sz="2800" dirty="0">
+                <a:solidFill>
+                  <a:schemeClr val="dk1"/>
+                </a:solidFill>
+                <a:latin typeface="Kaiti SC" panose="02010600040101010101" pitchFamily="2" charset="-122"/>
+                <a:ea typeface="Kaiti SC" panose="02010600040101010101" pitchFamily="2" charset="-122"/>
+              </a:rPr>
+              <a:t>準確率：</a:t>
+            </a:r>
+            <a:r>
+              <a:rPr lang="en-US" altLang="zh-TW" sz="2800" dirty="0">
+                <a:solidFill>
+                  <a:schemeClr val="dk1"/>
+                </a:solidFill>
+                <a:latin typeface="Kaiti SC" panose="02010600040101010101" pitchFamily="2" charset="-122"/>
+                <a:ea typeface="Kaiti SC" panose="02010600040101010101" pitchFamily="2" charset="-122"/>
+              </a:rPr>
+              <a:t>93%-96%</a:t>
+            </a:r>
+            <a:r>
+              <a:rPr lang="zh-TW" altLang="en-US" sz="2800" dirty="0">
+                <a:solidFill>
+                  <a:schemeClr val="dk1"/>
+                </a:solidFill>
+                <a:latin typeface="Kaiti SC" panose="02010600040101010101" pitchFamily="2" charset="-122"/>
+                <a:ea typeface="Kaiti SC" panose="02010600040101010101" pitchFamily="2" charset="-122"/>
+              </a:rPr>
+              <a:t>。</a:t>
+            </a:r>
+            <a:endParaRPr sz="2800" dirty="0">
+              <a:solidFill>
+                <a:schemeClr val="dk1"/>
+              </a:solidFill>
+              <a:latin typeface="Kaiti SC" panose="02010600040101010101" pitchFamily="2" charset="-122"/>
+              <a:ea typeface="Kaiti SC" panose="02010600040101010101" pitchFamily="2" charset="-122"/>
+            </a:endParaRPr>
+          </a:p>
+          <a:p>
+            <a:pPr>
+              <a:lnSpc>
+                <a:spcPct val="115000"/>
+              </a:lnSpc>
+              <a:spcBef>
+                <a:spcPts val="1600"/>
+              </a:spcBef>
+            </a:pPr>
+            <a:r>
+              <a:rPr lang="en-US" altLang="zh-TW" sz="2800" dirty="0">
+                <a:solidFill>
+                  <a:schemeClr val="dk1"/>
+                </a:solidFill>
+                <a:latin typeface="Kaiti SC" panose="02010600040101010101" pitchFamily="2" charset="-122"/>
+                <a:ea typeface="Kaiti SC" panose="02010600040101010101" pitchFamily="2" charset="-122"/>
+              </a:rPr>
+              <a:t>3. </a:t>
+            </a:r>
+            <a:r>
+              <a:rPr lang="zh-TW" altLang="en-US" sz="2800" dirty="0">
+                <a:solidFill>
+                  <a:schemeClr val="dk1"/>
+                </a:solidFill>
+                <a:latin typeface="Kaiti SC" panose="02010600040101010101" pitchFamily="2" charset="-122"/>
+                <a:ea typeface="Kaiti SC" panose="02010600040101010101" pitchFamily="2" charset="-122"/>
+              </a:rPr>
+              <a:t>模型大小：</a:t>
+            </a:r>
+            <a:r>
+              <a:rPr lang="en-US" altLang="zh-TW" sz="2800" dirty="0">
+                <a:solidFill>
+                  <a:schemeClr val="dk1"/>
+                </a:solidFill>
+                <a:latin typeface="Kaiti SC" panose="02010600040101010101" pitchFamily="2" charset="-122"/>
+                <a:ea typeface="Kaiti SC" panose="02010600040101010101" pitchFamily="2" charset="-122"/>
+              </a:rPr>
+              <a:t>10K</a:t>
+            </a:r>
+            <a:r>
+              <a:rPr lang="zh-TW" altLang="en-US" sz="2800" dirty="0">
+                <a:solidFill>
+                  <a:schemeClr val="dk1"/>
+                </a:solidFill>
+                <a:latin typeface="Kaiti SC" panose="02010600040101010101" pitchFamily="2" charset="-122"/>
+                <a:ea typeface="Kaiti SC" panose="02010600040101010101" pitchFamily="2" charset="-122"/>
+              </a:rPr>
+              <a:t>。</a:t>
+            </a:r>
+            <a:endParaRPr sz="2800" dirty="0">
+              <a:solidFill>
+                <a:schemeClr val="dk1"/>
+              </a:solidFill>
+              <a:latin typeface="Kaiti SC" panose="02010600040101010101" pitchFamily="2" charset="-122"/>
+              <a:ea typeface="Kaiti SC" panose="02010600040101010101" pitchFamily="2" charset="-122"/>
+            </a:endParaRPr>
+          </a:p>
+          <a:p>
+            <a:pPr>
+              <a:lnSpc>
+                <a:spcPct val="115000"/>
+              </a:lnSpc>
+              <a:spcBef>
+                <a:spcPts val="1600"/>
+              </a:spcBef>
+            </a:pPr>
+            <a:r>
+              <a:rPr lang="en-US" altLang="zh-TW" sz="2800" dirty="0">
+                <a:solidFill>
+                  <a:schemeClr val="dk1"/>
+                </a:solidFill>
+                <a:latin typeface="Kaiti SC" panose="02010600040101010101" pitchFamily="2" charset="-122"/>
+                <a:ea typeface="Kaiti SC" panose="02010600040101010101" pitchFamily="2" charset="-122"/>
+              </a:rPr>
+              <a:t>KWS :</a:t>
+            </a:r>
+            <a:endParaRPr sz="2800" dirty="0">
+              <a:solidFill>
+                <a:schemeClr val="dk1"/>
+              </a:solidFill>
+              <a:latin typeface="Kaiti SC" panose="02010600040101010101" pitchFamily="2" charset="-122"/>
+              <a:ea typeface="Kaiti SC" panose="02010600040101010101" pitchFamily="2" charset="-122"/>
+            </a:endParaRPr>
+          </a:p>
+          <a:p>
+            <a:pPr>
+              <a:lnSpc>
+                <a:spcPct val="115000"/>
+              </a:lnSpc>
+            </a:pPr>
+            <a:r>
+              <a:rPr lang="en-US" altLang="zh-TW" sz="2800" dirty="0">
+                <a:solidFill>
+                  <a:schemeClr val="dk1"/>
+                </a:solidFill>
+                <a:latin typeface="Kaiti SC" panose="02010600040101010101" pitchFamily="2" charset="-122"/>
+                <a:ea typeface="Kaiti SC" panose="02010600040101010101" pitchFamily="2" charset="-122"/>
+              </a:rPr>
+              <a:t>1. Float and Int8 KWS Model</a:t>
+            </a:r>
+            <a:r>
+              <a:rPr lang="zh-TW" altLang="en-US" sz="2800" dirty="0">
+                <a:solidFill>
+                  <a:schemeClr val="dk1"/>
+                </a:solidFill>
+                <a:latin typeface="Kaiti SC" panose="02010600040101010101" pitchFamily="2" charset="-122"/>
+                <a:ea typeface="Kaiti SC" panose="02010600040101010101" pitchFamily="2" charset="-122"/>
+              </a:rPr>
+              <a:t>。</a:t>
+            </a:r>
+            <a:endParaRPr sz="2800" dirty="0">
+              <a:solidFill>
+                <a:schemeClr val="dk1"/>
+              </a:solidFill>
+              <a:latin typeface="Kaiti SC" panose="02010600040101010101" pitchFamily="2" charset="-122"/>
+              <a:ea typeface="Kaiti SC" panose="02010600040101010101" pitchFamily="2" charset="-122"/>
+            </a:endParaRPr>
+          </a:p>
+          <a:p>
+            <a:pPr>
+              <a:lnSpc>
+                <a:spcPct val="115000"/>
+              </a:lnSpc>
+              <a:spcBef>
+                <a:spcPts val="1600"/>
+              </a:spcBef>
+            </a:pPr>
+            <a:r>
+              <a:rPr lang="en-US" altLang="zh-TW" sz="2800" dirty="0">
+                <a:solidFill>
+                  <a:schemeClr val="dk1"/>
+                </a:solidFill>
+                <a:latin typeface="Kaiti SC" panose="02010600040101010101" pitchFamily="2" charset="-122"/>
+                <a:ea typeface="Kaiti SC" panose="02010600040101010101" pitchFamily="2" charset="-122"/>
+              </a:rPr>
+              <a:t>2. </a:t>
+            </a:r>
+            <a:r>
+              <a:rPr lang="zh-TW" altLang="en-US" sz="2800" dirty="0">
+                <a:solidFill>
+                  <a:schemeClr val="dk1"/>
+                </a:solidFill>
+                <a:latin typeface="Kaiti SC" panose="02010600040101010101" pitchFamily="2" charset="-122"/>
+                <a:ea typeface="Kaiti SC" panose="02010600040101010101" pitchFamily="2" charset="-122"/>
+              </a:rPr>
+              <a:t>準確率：</a:t>
+            </a:r>
+            <a:r>
+              <a:rPr lang="en-US" altLang="zh-TW" sz="2800" dirty="0">
+                <a:solidFill>
+                  <a:schemeClr val="dk1"/>
+                </a:solidFill>
+                <a:latin typeface="Kaiti SC" panose="02010600040101010101" pitchFamily="2" charset="-122"/>
+                <a:ea typeface="Kaiti SC" panose="02010600040101010101" pitchFamily="2" charset="-122"/>
+              </a:rPr>
+              <a:t>85-95%</a:t>
+            </a:r>
+            <a:r>
+              <a:rPr lang="zh-TW" altLang="en-US" sz="2800" dirty="0">
+                <a:solidFill>
+                  <a:schemeClr val="dk1"/>
+                </a:solidFill>
+                <a:latin typeface="Kaiti SC" panose="02010600040101010101" pitchFamily="2" charset="-122"/>
+                <a:ea typeface="Kaiti SC" panose="02010600040101010101" pitchFamily="2" charset="-122"/>
+              </a:rPr>
+              <a:t>。</a:t>
+            </a:r>
+            <a:endParaRPr sz="2800" dirty="0">
+              <a:solidFill>
+                <a:schemeClr val="dk1"/>
+              </a:solidFill>
+              <a:latin typeface="Kaiti SC" panose="02010600040101010101" pitchFamily="2" charset="-122"/>
+              <a:ea typeface="Kaiti SC" panose="02010600040101010101" pitchFamily="2" charset="-122"/>
+            </a:endParaRPr>
+          </a:p>
+          <a:p>
+            <a:pPr>
+              <a:lnSpc>
+                <a:spcPct val="115000"/>
+              </a:lnSpc>
+              <a:spcBef>
+                <a:spcPts val="1600"/>
+              </a:spcBef>
+              <a:spcAft>
+                <a:spcPts val="1600"/>
+              </a:spcAft>
+            </a:pPr>
+            <a:r>
+              <a:rPr lang="en-US" altLang="zh-TW" sz="2800" dirty="0">
+                <a:solidFill>
+                  <a:schemeClr val="dk1"/>
+                </a:solidFill>
+                <a:latin typeface="Kaiti SC" panose="02010600040101010101" pitchFamily="2" charset="-122"/>
+                <a:ea typeface="Kaiti SC" panose="02010600040101010101" pitchFamily="2" charset="-122"/>
+              </a:rPr>
+              <a:t>3. </a:t>
+            </a:r>
+            <a:r>
+              <a:rPr lang="zh-TW" altLang="en-US" sz="2800" dirty="0">
+                <a:solidFill>
+                  <a:schemeClr val="dk1"/>
+                </a:solidFill>
+                <a:latin typeface="Kaiti SC" panose="02010600040101010101" pitchFamily="2" charset="-122"/>
+                <a:ea typeface="Kaiti SC" panose="02010600040101010101" pitchFamily="2" charset="-122"/>
+              </a:rPr>
+              <a:t>模型大小：</a:t>
+            </a:r>
+            <a:r>
+              <a:rPr lang="en-US" altLang="zh-TW" sz="2800" dirty="0">
+                <a:solidFill>
+                  <a:schemeClr val="dk1"/>
+                </a:solidFill>
+                <a:latin typeface="Kaiti SC" panose="02010600040101010101" pitchFamily="2" charset="-122"/>
+                <a:ea typeface="Kaiti SC" panose="02010600040101010101" pitchFamily="2" charset="-122"/>
+              </a:rPr>
+              <a:t>36K</a:t>
+            </a:r>
+            <a:r>
+              <a:rPr lang="zh-TW" altLang="en-US" sz="2800" dirty="0">
+                <a:solidFill>
+                  <a:schemeClr val="dk1"/>
+                </a:solidFill>
+                <a:latin typeface="Kaiti SC" panose="02010600040101010101" pitchFamily="2" charset="-122"/>
+                <a:ea typeface="Kaiti SC" panose="02010600040101010101" pitchFamily="2" charset="-122"/>
+              </a:rPr>
+              <a:t>。</a:t>
+            </a:r>
+            <a:endParaRPr sz="2800" dirty="0">
+              <a:solidFill>
+                <a:schemeClr val="dk1"/>
+              </a:solidFill>
+              <a:latin typeface="Kaiti SC" panose="02010600040101010101" pitchFamily="2" charset="-122"/>
+              <a:ea typeface="Kaiti SC" panose="02010600040101010101" pitchFamily="2" charset="-122"/>
+            </a:endParaRPr>
+          </a:p>
+        </p:txBody>
+      </p:sp>
+    </p:spTree>
+  </p:cSld>
+  <p:clrMapOvr>
+    <a:masterClrMapping/>
+  </p:clrMapOvr>
+</p:sld>
+</file>
+
+<file path=ppt/slides/slide12.xml><?xml version="1.0" encoding="utf-8"?>
+<p:sld xmlns:a="http://schemas.openxmlformats.org/drawingml/2006/main" xmlns:r="http://schemas.openxmlformats.org/officeDocument/2006/relationships" xmlns:p="http://schemas.openxmlformats.org/presentationml/2006/main">
+  <p:cSld>
+    <p:spTree>
+      <p:nvGrpSpPr>
+        <p:cNvPr id="1" name=""/>
+        <p:cNvGrpSpPr/>
+        <p:nvPr/>
+      </p:nvGrpSpPr>
+      <p:grpSpPr>
+        <a:xfrm>
+          <a:off x="0" y="0"/>
+          <a:ext cx="0" cy="0"/>
+          <a:chOff x="0" y="0"/>
+          <a:chExt cx="0" cy="0"/>
+        </a:xfrm>
+      </p:grpSpPr>
+      <p:sp>
+        <p:nvSpPr>
+          <p:cNvPr id="2" name="標題 1">
+            <a:extLst>
+              <a:ext uri="{FF2B5EF4-FFF2-40B4-BE49-F238E27FC236}">
+                <a16:creationId xmlns:a16="http://schemas.microsoft.com/office/drawing/2014/main" id="{C39275BF-6618-6078-E7EC-ADA86F5D4D47}"/>
+              </a:ext>
+            </a:extLst>
+          </p:cNvPr>
+          <p:cNvSpPr>
+            <a:spLocks noGrp="1"/>
+          </p:cNvSpPr>
+          <p:nvPr>
+            <p:ph type="title"/>
+          </p:nvPr>
+        </p:nvSpPr>
+        <p:spPr>
+          <a:xfrm>
+            <a:off x="838200" y="2719387"/>
+            <a:ext cx="10515600" cy="1133475"/>
+          </a:xfrm>
+        </p:spPr>
+        <p:txBody>
+          <a:bodyPr>
+            <a:normAutofit/>
+          </a:bodyPr>
+          <a:lstStyle/>
+          <a:p>
+            <a:pPr algn="ctr"/>
+            <a:r>
+              <a:rPr kumimoji="1" lang="en-US" altLang="zh-TW" sz="5600" dirty="0">
+                <a:latin typeface="Kaiti SC" panose="02010600040101010101" pitchFamily="2" charset="-122"/>
+                <a:ea typeface="Kaiti SC" panose="02010600040101010101" pitchFamily="2" charset="-122"/>
+              </a:rPr>
+              <a:t>Rule-based Chatbot Engine</a:t>
+            </a:r>
+            <a:endParaRPr kumimoji="1" lang="zh-TW" altLang="en-US" sz="5600" dirty="0">
+              <a:latin typeface="Kaiti SC" panose="02010600040101010101" pitchFamily="2" charset="-122"/>
+              <a:ea typeface="Kaiti SC" panose="02010600040101010101" pitchFamily="2" charset="-122"/>
+            </a:endParaRPr>
+          </a:p>
+        </p:txBody>
+      </p:sp>
+    </p:spTree>
+    <p:extLst>
+      <p:ext uri="{BB962C8B-B14F-4D97-AF65-F5344CB8AC3E}">
+        <p14:creationId xmlns:p14="http://schemas.microsoft.com/office/powerpoint/2010/main" val="272501829"/>
+      </p:ext>
+    </p:extLst>
+  </p:cSld>
+  <p:clrMapOvr>
+    <a:masterClrMapping/>
+  </p:clrMapOvr>
+</p:sld>
+</file>
+
+<file path=ppt/slides/slide13.xml><?xml version="1.0" encoding="utf-8"?>
+<p:sld xmlns:a="http://schemas.openxmlformats.org/drawingml/2006/main" xmlns:r="http://schemas.openxmlformats.org/officeDocument/2006/relationships" xmlns:p="http://schemas.openxmlformats.org/presentationml/2006/main">
+  <p:cSld>
+    <p:spTree>
+      <p:nvGrpSpPr>
+        <p:cNvPr id="1" name="Shape 88"/>
+        <p:cNvGrpSpPr/>
+        <p:nvPr/>
+      </p:nvGrpSpPr>
+      <p:grpSpPr>
+        <a:xfrm>
+          <a:off x="0" y="0"/>
+          <a:ext cx="0" cy="0"/>
+          <a:chOff x="0" y="0"/>
+          <a:chExt cx="0" cy="0"/>
+        </a:xfrm>
+      </p:grpSpPr>
+      <p:sp>
+        <p:nvSpPr>
+          <p:cNvPr id="89" name="Google Shape;89;p19"/>
+          <p:cNvSpPr txBox="1">
+            <a:spLocks noGrp="1"/>
+          </p:cNvSpPr>
+          <p:nvPr>
+            <p:ph type="title"/>
+          </p:nvPr>
+        </p:nvSpPr>
+        <p:spPr>
+          <a:xfrm>
+            <a:off x="415600" y="229700"/>
+            <a:ext cx="11360800" cy="763600"/>
+          </a:xfrm>
+          <a:prstGeom prst="rect">
+            <a:avLst/>
+          </a:prstGeom>
+        </p:spPr>
+        <p:txBody>
+          <a:bodyPr spcFirstLastPara="1" vert="horz" wrap="square" lIns="121900" tIns="121900" rIns="121900" bIns="121900" rtlCol="0" anchor="t" anchorCtr="0">
+            <a:normAutofit fontScale="90000"/>
+          </a:bodyPr>
+          <a:lstStyle/>
+          <a:p>
+            <a:r>
+              <a:rPr lang="zh-TW" dirty="0">
+                <a:latin typeface="Kaiti SC" panose="02010600040101010101" pitchFamily="2" charset="-122"/>
+                <a:ea typeface="Kaiti SC" panose="02010600040101010101" pitchFamily="2" charset="-122"/>
+              </a:rPr>
+              <a:t>威剛-隆宸星</a:t>
+            </a:r>
+            <a:r>
+              <a:rPr lang="zh-TW" dirty="0"/>
+              <a:t>：Wahoo Chatbot Engine</a:t>
+            </a:r>
+            <a:endParaRPr dirty="0"/>
+          </a:p>
+        </p:txBody>
+      </p:sp>
+      <p:sp>
+        <p:nvSpPr>
+          <p:cNvPr id="90" name="Google Shape;90;p19"/>
+          <p:cNvSpPr txBox="1">
+            <a:spLocks noGrp="1"/>
+          </p:cNvSpPr>
+          <p:nvPr>
+            <p:ph type="body" idx="1"/>
+          </p:nvPr>
+        </p:nvSpPr>
+        <p:spPr>
+          <a:xfrm>
+            <a:off x="415600" y="1134065"/>
+            <a:ext cx="11360800" cy="5331600"/>
+          </a:xfrm>
+          <a:prstGeom prst="rect">
+            <a:avLst/>
+          </a:prstGeom>
+        </p:spPr>
+        <p:txBody>
+          <a:bodyPr spcFirstLastPara="1" vert="horz" wrap="square" lIns="121900" tIns="121900" rIns="121900" bIns="121900" rtlCol="0" anchor="t" anchorCtr="0">
+            <a:normAutofit/>
+          </a:bodyPr>
+          <a:lstStyle/>
+          <a:p>
+            <a:pPr>
+              <a:lnSpc>
+                <a:spcPct val="200000"/>
+              </a:lnSpc>
+              <a:buAutoNum type="arabicPeriod"/>
+            </a:pPr>
+            <a:r>
+              <a:rPr lang="zh-TW" sz="2800" dirty="0">
+                <a:latin typeface="Kaiti SC" panose="02010600040101010101" pitchFamily="2" charset="-122"/>
+                <a:ea typeface="Kaiti SC" panose="02010600040101010101" pitchFamily="2" charset="-122"/>
+              </a:rPr>
+              <a:t>實現語音句字命令，連接在地服務，包含控制家中家電。</a:t>
+            </a:r>
+            <a:endParaRPr sz="2800" dirty="0">
+              <a:latin typeface="Kaiti SC" panose="02010600040101010101" pitchFamily="2" charset="-122"/>
+              <a:ea typeface="Kaiti SC" panose="02010600040101010101" pitchFamily="2" charset="-122"/>
+            </a:endParaRPr>
+          </a:p>
+          <a:p>
+            <a:pPr>
+              <a:lnSpc>
+                <a:spcPct val="200000"/>
+              </a:lnSpc>
+              <a:buAutoNum type="arabicPeriod"/>
+            </a:pPr>
+            <a:r>
+              <a:rPr lang="zh-TW" sz="2800" dirty="0">
+                <a:latin typeface="Kaiti SC" panose="02010600040101010101" pitchFamily="2" charset="-122"/>
+                <a:ea typeface="Kaiti SC" panose="02010600040101010101" pitchFamily="2" charset="-122"/>
+              </a:rPr>
+              <a:t>更人性化對話。</a:t>
+            </a:r>
+            <a:endParaRPr sz="2800" dirty="0">
+              <a:latin typeface="Kaiti SC" panose="02010600040101010101" pitchFamily="2" charset="-122"/>
+              <a:ea typeface="Kaiti SC" panose="02010600040101010101" pitchFamily="2" charset="-122"/>
+            </a:endParaRPr>
+          </a:p>
+          <a:p>
+            <a:pPr>
+              <a:lnSpc>
+                <a:spcPct val="200000"/>
+              </a:lnSpc>
+              <a:buAutoNum type="arabicPeriod"/>
+            </a:pPr>
+            <a:r>
+              <a:rPr lang="zh-TW" sz="2800" dirty="0">
+                <a:latin typeface="Kaiti SC" panose="02010600040101010101" pitchFamily="2" charset="-122"/>
+                <a:ea typeface="Kaiti SC" panose="02010600040101010101" pitchFamily="2" charset="-122"/>
+              </a:rPr>
+              <a:t>提供外接第三方NLP Engine。</a:t>
+            </a:r>
+            <a:endParaRPr sz="2800" dirty="0">
+              <a:latin typeface="Kaiti SC" panose="02010600040101010101" pitchFamily="2" charset="-122"/>
+              <a:ea typeface="Kaiti SC" panose="02010600040101010101" pitchFamily="2" charset="-122"/>
+            </a:endParaRPr>
+          </a:p>
+          <a:p>
+            <a:pPr>
+              <a:lnSpc>
+                <a:spcPct val="200000"/>
+              </a:lnSpc>
+              <a:buAutoNum type="arabicPeriod"/>
+            </a:pPr>
+            <a:r>
+              <a:rPr lang="zh-TW" sz="2800" dirty="0">
+                <a:latin typeface="Kaiti SC" panose="02010600040101010101" pitchFamily="2" charset="-122"/>
+                <a:ea typeface="Kaiti SC" panose="02010600040101010101" pitchFamily="2" charset="-122"/>
+              </a:rPr>
+              <a:t>最適回應語句計算及輸出。</a:t>
+            </a:r>
+            <a:endParaRPr sz="2800" dirty="0">
+              <a:latin typeface="Kaiti SC" panose="02010600040101010101" pitchFamily="2" charset="-122"/>
+              <a:ea typeface="Kaiti SC" panose="02010600040101010101" pitchFamily="2" charset="-122"/>
+            </a:endParaRPr>
+          </a:p>
+        </p:txBody>
+      </p:sp>
+    </p:spTree>
+  </p:cSld>
+  <p:clrMapOvr>
+    <a:masterClrMapping/>
+  </p:clrMapOvr>
+</p:sld>
+</file>
+
+<file path=ppt/slides/slide14.xml><?xml version="1.0" encoding="utf-8"?>
+<p:sld xmlns:a="http://schemas.openxmlformats.org/drawingml/2006/main" xmlns:r="http://schemas.openxmlformats.org/officeDocument/2006/relationships" xmlns:p="http://schemas.openxmlformats.org/presentationml/2006/main">
+  <p:cSld>
+    <p:spTree>
+      <p:nvGrpSpPr>
+        <p:cNvPr id="1" name="Shape 94"/>
+        <p:cNvGrpSpPr/>
+        <p:nvPr/>
+      </p:nvGrpSpPr>
+      <p:grpSpPr>
+        <a:xfrm>
+          <a:off x="0" y="0"/>
+          <a:ext cx="0" cy="0"/>
+          <a:chOff x="0" y="0"/>
+          <a:chExt cx="0" cy="0"/>
+        </a:xfrm>
+      </p:grpSpPr>
+      <p:sp>
+        <p:nvSpPr>
+          <p:cNvPr id="95" name="Google Shape;95;p20"/>
+          <p:cNvSpPr txBox="1">
+            <a:spLocks noGrp="1"/>
+          </p:cNvSpPr>
+          <p:nvPr>
+            <p:ph type="title"/>
+          </p:nvPr>
+        </p:nvSpPr>
+        <p:spPr>
+          <a:xfrm>
+            <a:off x="415600" y="128100"/>
+            <a:ext cx="5680400" cy="763600"/>
+          </a:xfrm>
+          <a:prstGeom prst="rect">
+            <a:avLst/>
+          </a:prstGeom>
+        </p:spPr>
+        <p:txBody>
+          <a:bodyPr spcFirstLastPara="1" vert="horz" wrap="square" lIns="121900" tIns="121900" rIns="121900" bIns="121900" rtlCol="0" anchor="t" anchorCtr="0">
+            <a:normAutofit/>
+          </a:bodyPr>
+          <a:lstStyle/>
+          <a:p>
+            <a:r>
+              <a:rPr lang="zh-TW" sz="3400" dirty="0"/>
+              <a:t>Wahoo Engine Architecture</a:t>
+            </a:r>
+            <a:endParaRPr sz="3400" dirty="0"/>
+          </a:p>
+        </p:txBody>
+      </p:sp>
+      <p:pic>
+        <p:nvPicPr>
+          <p:cNvPr id="96" name="Google Shape;96;p20"/>
+          <p:cNvPicPr preferRelativeResize="0"/>
+          <p:nvPr/>
+        </p:nvPicPr>
+        <p:blipFill>
+          <a:blip r:embed="rId3">
+            <a:alphaModFix/>
+          </a:blip>
+          <a:stretch>
+            <a:fillRect/>
+          </a:stretch>
+        </p:blipFill>
+        <p:spPr>
+          <a:xfrm>
+            <a:off x="3448929" y="128100"/>
+            <a:ext cx="8438271" cy="6601800"/>
+          </a:xfrm>
+          <a:prstGeom prst="rect">
+            <a:avLst/>
+          </a:prstGeom>
+          <a:noFill/>
+          <a:ln>
+            <a:noFill/>
+          </a:ln>
+        </p:spPr>
+      </p:pic>
+    </p:spTree>
+  </p:cSld>
+  <p:clrMapOvr>
+    <a:masterClrMapping/>
+  </p:clrMapOvr>
+</p:sld>
+</file>
+
+<file path=ppt/slides/slide15.xml><?xml version="1.0" encoding="utf-8"?>
+<p:sld xmlns:a="http://schemas.openxmlformats.org/drawingml/2006/main" xmlns:r="http://schemas.openxmlformats.org/officeDocument/2006/relationships" xmlns:p="http://schemas.openxmlformats.org/presentationml/2006/main">
+  <p:cSld>
+    <p:spTree>
+      <p:nvGrpSpPr>
+        <p:cNvPr id="1" name="Shape 100"/>
+        <p:cNvGrpSpPr/>
+        <p:nvPr/>
+      </p:nvGrpSpPr>
+      <p:grpSpPr>
+        <a:xfrm>
+          <a:off x="0" y="0"/>
+          <a:ext cx="0" cy="0"/>
+          <a:chOff x="0" y="0"/>
+          <a:chExt cx="0" cy="0"/>
+        </a:xfrm>
+      </p:grpSpPr>
+      <p:sp>
+        <p:nvSpPr>
+          <p:cNvPr id="101" name="Google Shape;101;p21"/>
+          <p:cNvSpPr txBox="1">
+            <a:spLocks noGrp="1"/>
+          </p:cNvSpPr>
+          <p:nvPr>
+            <p:ph type="title"/>
+          </p:nvPr>
+        </p:nvSpPr>
+        <p:spPr>
+          <a:xfrm>
+            <a:off x="261927" y="171964"/>
+            <a:ext cx="6137632" cy="1545988"/>
+          </a:xfrm>
+          <a:prstGeom prst="rect">
+            <a:avLst/>
+          </a:prstGeom>
+        </p:spPr>
+        <p:txBody>
+          <a:bodyPr spcFirstLastPara="1" vert="horz" wrap="square" lIns="121900" tIns="121900" rIns="121900" bIns="121900" rtlCol="0" anchor="t" anchorCtr="0">
+            <a:noAutofit/>
+          </a:bodyPr>
+          <a:lstStyle/>
+          <a:p>
+            <a:pPr>
+              <a:lnSpc>
+                <a:spcPct val="150000"/>
+              </a:lnSpc>
+            </a:pPr>
+            <a:r>
+              <a:rPr lang="zh-TW" sz="3200" dirty="0">
+                <a:latin typeface="Kaiti SC" panose="02010600040101010101" pitchFamily="2" charset="-122"/>
+                <a:ea typeface="Kaiti SC" panose="02010600040101010101" pitchFamily="2" charset="-122"/>
+              </a:rPr>
+              <a:t>Wahoo Engine Architecture</a:t>
+            </a:r>
+            <a:r>
+              <a:rPr lang="en-US" altLang="zh-TW" sz="3200" dirty="0">
+                <a:latin typeface="Kaiti SC" panose="02010600040101010101" pitchFamily="2" charset="-122"/>
+                <a:ea typeface="Kaiti SC" panose="02010600040101010101" pitchFamily="2" charset="-122"/>
+              </a:rPr>
+              <a:t> With</a:t>
+            </a:r>
+            <a:br>
+              <a:rPr lang="en-US" altLang="zh-TW" sz="3200" dirty="0">
+                <a:latin typeface="Kaiti SC" panose="02010600040101010101" pitchFamily="2" charset="-122"/>
+                <a:ea typeface="Kaiti SC" panose="02010600040101010101" pitchFamily="2" charset="-122"/>
+              </a:rPr>
+            </a:br>
+            <a:r>
+              <a:rPr lang="en-US" altLang="zh-TW" sz="3200" dirty="0">
+                <a:latin typeface="Kaiti SC" panose="02010600040101010101" pitchFamily="2" charset="-122"/>
+                <a:ea typeface="Kaiti SC" panose="02010600040101010101" pitchFamily="2" charset="-122"/>
+              </a:rPr>
+              <a:t>ML</a:t>
+            </a:r>
+            <a:endParaRPr sz="3200" dirty="0">
+              <a:latin typeface="Kaiti SC" panose="02010600040101010101" pitchFamily="2" charset="-122"/>
+              <a:ea typeface="Kaiti SC" panose="02010600040101010101" pitchFamily="2" charset="-122"/>
+            </a:endParaRPr>
+          </a:p>
+        </p:txBody>
+      </p:sp>
+      <p:pic>
+        <p:nvPicPr>
+          <p:cNvPr id="102" name="Google Shape;102;p21"/>
+          <p:cNvPicPr preferRelativeResize="0"/>
+          <p:nvPr/>
+        </p:nvPicPr>
+        <p:blipFill>
+          <a:blip r:embed="rId3">
+            <a:alphaModFix/>
+          </a:blip>
+          <a:stretch>
+            <a:fillRect/>
+          </a:stretch>
+        </p:blipFill>
+        <p:spPr>
+          <a:xfrm>
+            <a:off x="6185241" y="171964"/>
+            <a:ext cx="5573372" cy="6543161"/>
+          </a:xfrm>
+          <a:prstGeom prst="rect">
+            <a:avLst/>
+          </a:prstGeom>
+          <a:noFill/>
+          <a:ln>
+            <a:noFill/>
+          </a:ln>
+        </p:spPr>
+      </p:pic>
+    </p:spTree>
+  </p:cSld>
+  <p:clrMapOvr>
+    <a:masterClrMapping/>
+  </p:clrMapOvr>
+</p:sld>
+</file>
+
+<file path=ppt/slides/slide16.xml><?xml version="1.0" encoding="utf-8"?>
+<p:sld xmlns:a="http://schemas.openxmlformats.org/drawingml/2006/main" xmlns:r="http://schemas.openxmlformats.org/officeDocument/2006/relationships" xmlns:p="http://schemas.openxmlformats.org/presentationml/2006/main">
+  <p:cSld>
+    <p:spTree>
+      <p:nvGrpSpPr>
+        <p:cNvPr id="1" name="Shape 106"/>
+        <p:cNvGrpSpPr/>
+        <p:nvPr/>
+      </p:nvGrpSpPr>
+      <p:grpSpPr>
+        <a:xfrm>
+          <a:off x="0" y="0"/>
+          <a:ext cx="0" cy="0"/>
+          <a:chOff x="0" y="0"/>
+          <a:chExt cx="0" cy="0"/>
+        </a:xfrm>
+      </p:grpSpPr>
+      <p:sp>
+        <p:nvSpPr>
+          <p:cNvPr id="107" name="Google Shape;107;p22"/>
+          <p:cNvSpPr txBox="1">
+            <a:spLocks noGrp="1"/>
+          </p:cNvSpPr>
+          <p:nvPr>
+            <p:ph type="title"/>
+          </p:nvPr>
+        </p:nvSpPr>
+        <p:spPr>
+          <a:xfrm>
+            <a:off x="415600" y="229700"/>
+            <a:ext cx="11360800" cy="763600"/>
+          </a:xfrm>
+          <a:prstGeom prst="rect">
+            <a:avLst/>
+          </a:prstGeom>
+        </p:spPr>
+        <p:txBody>
+          <a:bodyPr spcFirstLastPara="1" vert="horz" wrap="square" lIns="121900" tIns="121900" rIns="121900" bIns="121900" rtlCol="0" anchor="t" anchorCtr="0">
+            <a:normAutofit fontScale="90000"/>
+          </a:bodyPr>
+          <a:lstStyle/>
+          <a:p>
+            <a:r>
+              <a:rPr lang="zh-TW" dirty="0"/>
+              <a:t>Rule-based + AI</a:t>
+            </a:r>
+            <a:endParaRPr dirty="0"/>
+          </a:p>
+        </p:txBody>
+      </p:sp>
+      <p:sp>
+        <p:nvSpPr>
+          <p:cNvPr id="108" name="Google Shape;108;p22"/>
+          <p:cNvSpPr txBox="1">
+            <a:spLocks noGrp="1"/>
+          </p:cNvSpPr>
+          <p:nvPr>
+            <p:ph type="body" idx="1"/>
+          </p:nvPr>
+        </p:nvSpPr>
+        <p:spPr>
+          <a:xfrm>
+            <a:off x="415600" y="1134065"/>
+            <a:ext cx="11360800" cy="5331600"/>
+          </a:xfrm>
+          <a:prstGeom prst="rect">
+            <a:avLst/>
+          </a:prstGeom>
+        </p:spPr>
+        <p:txBody>
+          <a:bodyPr spcFirstLastPara="1" vert="horz" wrap="square" lIns="121900" tIns="121900" rIns="121900" bIns="121900" rtlCol="0" anchor="t" anchorCtr="0">
+            <a:normAutofit/>
+          </a:bodyPr>
+          <a:lstStyle/>
+          <a:p>
+            <a:pPr>
+              <a:lnSpc>
+                <a:spcPct val="200000"/>
+              </a:lnSpc>
+              <a:buAutoNum type="arabicPeriod"/>
+            </a:pPr>
+            <a:r>
+              <a:rPr lang="zh-TW" sz="2800" dirty="0">
+                <a:latin typeface="Kaiti SC" panose="02010600040101010101" pitchFamily="2" charset="-122"/>
+                <a:ea typeface="Kaiti SC" panose="02010600040101010101" pitchFamily="2" charset="-122"/>
+              </a:rPr>
+              <a:t>將對話當時環境因素加入考量，增強對話更擬人化。</a:t>
+            </a:r>
+            <a:endParaRPr sz="2800" dirty="0">
+              <a:latin typeface="Kaiti SC" panose="02010600040101010101" pitchFamily="2" charset="-122"/>
+              <a:ea typeface="Kaiti SC" panose="02010600040101010101" pitchFamily="2" charset="-122"/>
+            </a:endParaRPr>
+          </a:p>
+          <a:p>
+            <a:pPr>
+              <a:lnSpc>
+                <a:spcPct val="200000"/>
+              </a:lnSpc>
+              <a:buAutoNum type="arabicPeriod"/>
+            </a:pPr>
+            <a:r>
+              <a:rPr lang="zh-TW" sz="2800" dirty="0">
+                <a:latin typeface="Kaiti SC" panose="02010600040101010101" pitchFamily="2" charset="-122"/>
+                <a:ea typeface="Kaiti SC" panose="02010600040101010101" pitchFamily="2" charset="-122"/>
+              </a:rPr>
+              <a:t>提升語句命令中關鍵詞補捉的容錯率。</a:t>
+            </a:r>
+            <a:endParaRPr sz="2800" dirty="0">
+              <a:latin typeface="Kaiti SC" panose="02010600040101010101" pitchFamily="2" charset="-122"/>
+              <a:ea typeface="Kaiti SC" panose="02010600040101010101" pitchFamily="2" charset="-122"/>
+            </a:endParaRPr>
+          </a:p>
+          <a:p>
+            <a:pPr>
+              <a:lnSpc>
+                <a:spcPct val="200000"/>
+              </a:lnSpc>
+              <a:buAutoNum type="arabicPeriod"/>
+            </a:pPr>
+            <a:r>
+              <a:rPr lang="zh-TW" sz="2800" dirty="0">
+                <a:latin typeface="Kaiti SC" panose="02010600040101010101" pitchFamily="2" charset="-122"/>
+                <a:ea typeface="Kaiti SC" panose="02010600040101010101" pitchFamily="2" charset="-122"/>
+              </a:rPr>
+              <a:t>個人化體驗。</a:t>
+            </a:r>
+            <a:endParaRPr sz="2800" dirty="0">
+              <a:latin typeface="Kaiti SC" panose="02010600040101010101" pitchFamily="2" charset="-122"/>
+              <a:ea typeface="Kaiti SC" panose="02010600040101010101" pitchFamily="2" charset="-122"/>
+            </a:endParaRPr>
+          </a:p>
+          <a:p>
+            <a:pPr>
+              <a:lnSpc>
+                <a:spcPct val="200000"/>
+              </a:lnSpc>
+              <a:buAutoNum type="arabicPeriod"/>
+            </a:pPr>
+            <a:r>
+              <a:rPr lang="zh-TW" sz="2800" dirty="0">
+                <a:latin typeface="Kaiti SC" panose="02010600040101010101" pitchFamily="2" charset="-122"/>
+                <a:ea typeface="Kaiti SC" panose="02010600040101010101" pitchFamily="2" charset="-122"/>
+              </a:rPr>
+              <a:t>結合知識圖譜，提供具建議性特質的回應。</a:t>
+            </a:r>
+            <a:endParaRPr sz="2800" dirty="0">
+              <a:latin typeface="Kaiti SC" panose="02010600040101010101" pitchFamily="2" charset="-122"/>
+              <a:ea typeface="Kaiti SC" panose="02010600040101010101" pitchFamily="2" charset="-122"/>
+            </a:endParaRPr>
+          </a:p>
+        </p:txBody>
+      </p:sp>
+    </p:spTree>
+  </p:cSld>
+  <p:clrMapOvr>
+    <a:masterClrMapping/>
+  </p:clrMapOvr>
+</p:sld>
+</file>
+
+<file path=ppt/slides/slide17.xml><?xml version="1.0" encoding="utf-8"?>
+<p:sld xmlns:a="http://schemas.openxmlformats.org/drawingml/2006/main" xmlns:r="http://schemas.openxmlformats.org/officeDocument/2006/relationships" xmlns:p="http://schemas.openxmlformats.org/presentationml/2006/main">
+  <p:cSld>
+    <p:spTree>
+      <p:nvGrpSpPr>
+        <p:cNvPr id="1" name=""/>
+        <p:cNvGrpSpPr/>
+        <p:nvPr/>
+      </p:nvGrpSpPr>
+      <p:grpSpPr>
+        <a:xfrm>
+          <a:off x="0" y="0"/>
+          <a:ext cx="0" cy="0"/>
+          <a:chOff x="0" y="0"/>
+          <a:chExt cx="0" cy="0"/>
+        </a:xfrm>
+      </p:grpSpPr>
+      <p:sp>
+        <p:nvSpPr>
+          <p:cNvPr id="2" name="標題 1">
+            <a:extLst>
+              <a:ext uri="{FF2B5EF4-FFF2-40B4-BE49-F238E27FC236}">
+                <a16:creationId xmlns:a16="http://schemas.microsoft.com/office/drawing/2014/main" id="{1D7D08D5-F52A-DD49-9B19-1885E6DD90C4}"/>
+              </a:ext>
+            </a:extLst>
+          </p:cNvPr>
+          <p:cNvSpPr>
+            <a:spLocks noGrp="1"/>
+          </p:cNvSpPr>
+          <p:nvPr>
+            <p:ph type="title"/>
+          </p:nvPr>
+        </p:nvSpPr>
+        <p:spPr>
+          <a:xfrm>
+            <a:off x="283298" y="2326347"/>
+            <a:ext cx="11360800" cy="989500"/>
+          </a:xfrm>
+        </p:spPr>
+        <p:txBody>
+          <a:bodyPr>
+            <a:noAutofit/>
+          </a:bodyPr>
+          <a:lstStyle/>
+          <a:p>
+            <a:pPr algn="ctr"/>
+            <a:r>
+              <a:rPr kumimoji="1" lang="zh-TW" altLang="en-US" sz="5600" dirty="0">
+                <a:latin typeface="Kaiti SC" panose="02010600040101010101" pitchFamily="2" charset="-122"/>
+                <a:ea typeface="Kaiti SC" panose="02010600040101010101" pitchFamily="2" charset="-122"/>
+              </a:rPr>
+              <a:t>報告結束</a:t>
+            </a:r>
+            <a:r>
+              <a:rPr kumimoji="1" lang="en-US" altLang="zh-TW" sz="5600">
+                <a:latin typeface="Kaiti SC" panose="02010600040101010101" pitchFamily="2" charset="-122"/>
+                <a:ea typeface="Kaiti SC" panose="02010600040101010101" pitchFamily="2" charset="-122"/>
+              </a:rPr>
+              <a:t>, </a:t>
+            </a:r>
+            <a:r>
+              <a:rPr kumimoji="1" lang="zh-TW" altLang="en-US" sz="5600">
+                <a:latin typeface="Kaiti SC" panose="02010600040101010101" pitchFamily="2" charset="-122"/>
+                <a:ea typeface="Kaiti SC" panose="02010600040101010101" pitchFamily="2" charset="-122"/>
+              </a:rPr>
+              <a:t>感謝</a:t>
+            </a:r>
+            <a:r>
+              <a:rPr kumimoji="1" lang="zh-TW" altLang="en-US" sz="5600" dirty="0">
+                <a:latin typeface="Kaiti SC" panose="02010600040101010101" pitchFamily="2" charset="-122"/>
+                <a:ea typeface="Kaiti SC" panose="02010600040101010101" pitchFamily="2" charset="-122"/>
+              </a:rPr>
+              <a:t>各位面試長官</a:t>
+            </a:r>
+          </a:p>
+        </p:txBody>
+      </p:sp>
+    </p:spTree>
+    <p:extLst>
+      <p:ext uri="{BB962C8B-B14F-4D97-AF65-F5344CB8AC3E}">
+        <p14:creationId xmlns:p14="http://schemas.microsoft.com/office/powerpoint/2010/main" val="1347148590"/>
+      </p:ext>
+    </p:extLst>
+  </p:cSld>
+  <p:clrMapOvr>
+    <a:masterClrMapping/>
+  </p:clrMapOvr>
+</p:sld>
+</file>
+
 <file path=ppt/slides/slide2.xml><?xml version="1.0" encoding="utf-8"?>
 <p:sld xmlns:a="http://schemas.openxmlformats.org/drawingml/2006/main" xmlns:r="http://schemas.openxmlformats.org/officeDocument/2006/relationships" xmlns:p="http://schemas.openxmlformats.org/presentationml/2006/main">
   <p:cSld>
@@ -3276,6 +6295,105 @@
           <a:chExt cx="0" cy="0"/>
         </a:xfrm>
       </p:grpSpPr>
+    </p:spTree>
+    <p:extLst>
+      <p:ext uri="{BB962C8B-B14F-4D97-AF65-F5344CB8AC3E}">
+        <p14:creationId xmlns:p14="http://schemas.microsoft.com/office/powerpoint/2010/main" val="1061284620"/>
+      </p:ext>
+    </p:extLst>
+  </p:cSld>
+  <p:clrMapOvr>
+    <a:masterClrMapping/>
+  </p:clrMapOvr>
+</p:sld>
+</file>
+
+<file path=ppt/slides/slide3.xml><?xml version="1.0" encoding="utf-8"?>
+<p:sld xmlns:a="http://schemas.openxmlformats.org/drawingml/2006/main" xmlns:r="http://schemas.openxmlformats.org/officeDocument/2006/relationships" xmlns:p="http://schemas.openxmlformats.org/presentationml/2006/main">
+  <p:cSld>
+    <p:spTree>
+      <p:nvGrpSpPr>
+        <p:cNvPr id="1" name=""/>
+        <p:cNvGrpSpPr/>
+        <p:nvPr/>
+      </p:nvGrpSpPr>
+      <p:grpSpPr>
+        <a:xfrm>
+          <a:off x="0" y="0"/>
+          <a:ext cx="0" cy="0"/>
+          <a:chOff x="0" y="0"/>
+          <a:chExt cx="0" cy="0"/>
+        </a:xfrm>
+      </p:grpSpPr>
+      <p:sp>
+        <p:nvSpPr>
+          <p:cNvPr id="2" name="標題 1">
+            <a:extLst>
+              <a:ext uri="{FF2B5EF4-FFF2-40B4-BE49-F238E27FC236}">
+                <a16:creationId xmlns:a16="http://schemas.microsoft.com/office/drawing/2014/main" id="{C39275BF-6618-6078-E7EC-ADA86F5D4D47}"/>
+              </a:ext>
+            </a:extLst>
+          </p:cNvPr>
+          <p:cNvSpPr>
+            <a:spLocks noGrp="1"/>
+          </p:cNvSpPr>
+          <p:nvPr>
+            <p:ph type="title"/>
+          </p:nvPr>
+        </p:nvSpPr>
+        <p:spPr>
+          <a:xfrm>
+            <a:off x="838200" y="2719387"/>
+            <a:ext cx="10515600" cy="1133475"/>
+          </a:xfrm>
+        </p:spPr>
+        <p:txBody>
+          <a:bodyPr>
+            <a:normAutofit/>
+          </a:bodyPr>
+          <a:lstStyle/>
+          <a:p>
+            <a:pPr algn="ctr"/>
+            <a:r>
+              <a:rPr kumimoji="1" lang="zh-TW" altLang="en-US" sz="5600" dirty="0">
+                <a:latin typeface="Kaiti SC" panose="02010600040101010101" pitchFamily="2" charset="-122"/>
+                <a:ea typeface="Kaiti SC" panose="02010600040101010101" pitchFamily="2" charset="-122"/>
+              </a:rPr>
+              <a:t>火災警報聲偵測模型</a:t>
+            </a:r>
+          </a:p>
+        </p:txBody>
+      </p:sp>
+    </p:spTree>
+    <p:extLst>
+      <p:ext uri="{BB962C8B-B14F-4D97-AF65-F5344CB8AC3E}">
+        <p14:creationId xmlns:p14="http://schemas.microsoft.com/office/powerpoint/2010/main" val="3294788670"/>
+      </p:ext>
+    </p:extLst>
+  </p:cSld>
+  <p:clrMapOvr>
+    <a:masterClrMapping/>
+  </p:clrMapOvr>
+</p:sld>
+</file>
+
+<file path=ppt/slides/slide4.xml><?xml version="1.0" encoding="utf-8"?>
+<p:sld xmlns:a="http://schemas.openxmlformats.org/drawingml/2006/main" xmlns:r="http://schemas.openxmlformats.org/officeDocument/2006/relationships" xmlns:p="http://schemas.openxmlformats.org/presentationml/2006/main">
+  <p:cSld>
+    <p:spTree>
+      <p:nvGrpSpPr>
+        <p:cNvPr id="1" name=""/>
+        <p:cNvGrpSpPr/>
+        <p:nvPr/>
+      </p:nvGrpSpPr>
+      <p:grpSpPr>
+        <a:xfrm>
+          <a:off x="0" y="0"/>
+          <a:ext cx="0" cy="0"/>
+          <a:chOff x="0" y="0"/>
+          <a:chExt cx="0" cy="0"/>
+        </a:xfrm>
+      </p:grpSpPr>
       <p:sp>
         <p:nvSpPr>
           <p:cNvPr id="2" name="標題 1">
@@ -3510,7 +6628,7 @@
 </p:sld>
 </file>
 
-<file path=ppt/slides/slide3.xml><?xml version="1.0" encoding="utf-8"?>
+<file path=ppt/slides/slide5.xml><?xml version="1.0" encoding="utf-8"?>
 <p:sld xmlns:a="http://schemas.openxmlformats.org/drawingml/2006/main" xmlns:r="http://schemas.openxmlformats.org/officeDocument/2006/relationships" xmlns:p="http://schemas.openxmlformats.org/presentationml/2006/main">
   <p:cSld>
     <p:spTree>
@@ -3883,7 +7001,7 @@
 </p:sld>
 </file>
 
-<file path=ppt/slides/slide4.xml><?xml version="1.0" encoding="utf-8"?>
+<file path=ppt/slides/slide6.xml><?xml version="1.0" encoding="utf-8"?>
 <p:sld xmlns:a="http://schemas.openxmlformats.org/drawingml/2006/main" xmlns:r="http://schemas.openxmlformats.org/officeDocument/2006/relationships" xmlns:p="http://schemas.openxmlformats.org/presentationml/2006/main">
   <p:cSld>
     <p:spTree>
@@ -4971,6 +8089,603 @@
 </p:sld>
 </file>
 
+<file path=ppt/slides/slide7.xml><?xml version="1.0" encoding="utf-8"?>
+<p:sld xmlns:a="http://schemas.openxmlformats.org/drawingml/2006/main" xmlns:r="http://schemas.openxmlformats.org/officeDocument/2006/relationships" xmlns:p="http://schemas.openxmlformats.org/presentationml/2006/main">
+  <p:cSld>
+    <p:spTree>
+      <p:nvGrpSpPr>
+        <p:cNvPr id="1" name=""/>
+        <p:cNvGrpSpPr/>
+        <p:nvPr/>
+      </p:nvGrpSpPr>
+      <p:grpSpPr>
+        <a:xfrm>
+          <a:off x="0" y="0"/>
+          <a:ext cx="0" cy="0"/>
+          <a:chOff x="0" y="0"/>
+          <a:chExt cx="0" cy="0"/>
+        </a:xfrm>
+      </p:grpSpPr>
+      <p:sp>
+        <p:nvSpPr>
+          <p:cNvPr id="2" name="標題 1">
+            <a:extLst>
+              <a:ext uri="{FF2B5EF4-FFF2-40B4-BE49-F238E27FC236}">
+                <a16:creationId xmlns:a16="http://schemas.microsoft.com/office/drawing/2014/main" id="{C39275BF-6618-6078-E7EC-ADA86F5D4D47}"/>
+              </a:ext>
+            </a:extLst>
+          </p:cNvPr>
+          <p:cNvSpPr>
+            <a:spLocks noGrp="1"/>
+          </p:cNvSpPr>
+          <p:nvPr>
+            <p:ph type="title"/>
+          </p:nvPr>
+        </p:nvSpPr>
+        <p:spPr>
+          <a:xfrm>
+            <a:off x="838200" y="2719387"/>
+            <a:ext cx="10515600" cy="1133475"/>
+          </a:xfrm>
+        </p:spPr>
+        <p:txBody>
+          <a:bodyPr>
+            <a:normAutofit/>
+          </a:bodyPr>
+          <a:lstStyle/>
+          <a:p>
+            <a:pPr algn="ctr"/>
+            <a:r>
+              <a:rPr kumimoji="1" lang="en-US" altLang="zh-TW" sz="5600" dirty="0">
+                <a:latin typeface="Kaiti SC" panose="02010600040101010101" pitchFamily="2" charset="-122"/>
+                <a:ea typeface="Kaiti SC" panose="02010600040101010101" pitchFamily="2" charset="-122"/>
+              </a:rPr>
+              <a:t>Smart-Microphone</a:t>
+            </a:r>
+            <a:endParaRPr kumimoji="1" lang="zh-TW" altLang="en-US" sz="5600" dirty="0">
+              <a:latin typeface="Kaiti SC" panose="02010600040101010101" pitchFamily="2" charset="-122"/>
+              <a:ea typeface="Kaiti SC" panose="02010600040101010101" pitchFamily="2" charset="-122"/>
+            </a:endParaRPr>
+          </a:p>
+        </p:txBody>
+      </p:sp>
+    </p:spTree>
+    <p:extLst>
+      <p:ext uri="{BB962C8B-B14F-4D97-AF65-F5344CB8AC3E}">
+        <p14:creationId xmlns:p14="http://schemas.microsoft.com/office/powerpoint/2010/main" val="1330335004"/>
+      </p:ext>
+    </p:extLst>
+  </p:cSld>
+  <p:clrMapOvr>
+    <a:masterClrMapping/>
+  </p:clrMapOvr>
+</p:sld>
+</file>
+
+<file path=ppt/slides/slide8.xml><?xml version="1.0" encoding="utf-8"?>
+<p:sld xmlns:a="http://schemas.openxmlformats.org/drawingml/2006/main" xmlns:r="http://schemas.openxmlformats.org/officeDocument/2006/relationships" xmlns:p="http://schemas.openxmlformats.org/presentationml/2006/main">
+  <p:cSld>
+    <p:spTree>
+      <p:nvGrpSpPr>
+        <p:cNvPr id="1" name="Shape 64"/>
+        <p:cNvGrpSpPr/>
+        <p:nvPr/>
+      </p:nvGrpSpPr>
+      <p:grpSpPr>
+        <a:xfrm>
+          <a:off x="0" y="0"/>
+          <a:ext cx="0" cy="0"/>
+          <a:chOff x="0" y="0"/>
+          <a:chExt cx="0" cy="0"/>
+        </a:xfrm>
+      </p:grpSpPr>
+      <p:sp>
+        <p:nvSpPr>
+          <p:cNvPr id="65" name="Google Shape;65;p15"/>
+          <p:cNvSpPr txBox="1">
+            <a:spLocks noGrp="1"/>
+          </p:cNvSpPr>
+          <p:nvPr>
+            <p:ph type="title"/>
+          </p:nvPr>
+        </p:nvSpPr>
+        <p:spPr>
+          <a:xfrm>
+            <a:off x="415600" y="229700"/>
+            <a:ext cx="11360800" cy="763600"/>
+          </a:xfrm>
+          <a:prstGeom prst="rect">
+            <a:avLst/>
+          </a:prstGeom>
+        </p:spPr>
+        <p:txBody>
+          <a:bodyPr spcFirstLastPara="1" vert="horz" wrap="square" lIns="121900" tIns="121900" rIns="121900" bIns="121900" rtlCol="0" anchor="t" anchorCtr="0">
+            <a:normAutofit fontScale="90000"/>
+          </a:bodyPr>
+          <a:lstStyle/>
+          <a:p>
+            <a:r>
+              <a:rPr lang="zh-TW"/>
+              <a:t>SmartMic</a:t>
+            </a:r>
+            <a:endParaRPr/>
+          </a:p>
+        </p:txBody>
+      </p:sp>
+      <p:sp>
+        <p:nvSpPr>
+          <p:cNvPr id="66" name="Google Shape;66;p15"/>
+          <p:cNvSpPr txBox="1"/>
+          <p:nvPr/>
+        </p:nvSpPr>
+        <p:spPr>
+          <a:xfrm>
+            <a:off x="330700" y="1101567"/>
+            <a:ext cx="11697600" cy="5434800"/>
+          </a:xfrm>
+          <a:prstGeom prst="rect">
+            <a:avLst/>
+          </a:prstGeom>
+          <a:noFill/>
+          <a:ln>
+            <a:noFill/>
+          </a:ln>
+        </p:spPr>
+        <p:txBody>
+          <a:bodyPr spcFirstLastPara="1" wrap="square" lIns="121900" tIns="121900" rIns="121900" bIns="121900" anchor="t" anchorCtr="0">
+            <a:normAutofit/>
+          </a:bodyPr>
+          <a:lstStyle/>
+          <a:p>
+            <a:pPr marL="649814" indent="-514350">
+              <a:lnSpc>
+                <a:spcPct val="150000"/>
+              </a:lnSpc>
+              <a:spcBef>
+                <a:spcPts val="1333"/>
+              </a:spcBef>
+              <a:buClr>
+                <a:srgbClr val="000000"/>
+              </a:buClr>
+              <a:buSzPts val="2000"/>
+              <a:buFont typeface="+mj-lt"/>
+              <a:buAutoNum type="arabicPeriod"/>
+            </a:pPr>
+            <a:r>
+              <a:rPr lang="zh-TW" altLang="en-US" sz="2667" dirty="0">
+                <a:solidFill>
+                  <a:srgbClr val="000000"/>
+                </a:solidFill>
+                <a:latin typeface="Kaiti SC" panose="02010600040101010101" pitchFamily="2" charset="-122"/>
+                <a:ea typeface="Kaiti SC" panose="02010600040101010101" pitchFamily="2" charset="-122"/>
+              </a:rPr>
+              <a:t>緣起</a:t>
+            </a:r>
+            <a:endParaRPr sz="2667" dirty="0">
+              <a:solidFill>
+                <a:srgbClr val="000000"/>
+              </a:solidFill>
+              <a:latin typeface="Kaiti SC" panose="02010600040101010101" pitchFamily="2" charset="-122"/>
+              <a:ea typeface="Kaiti SC" panose="02010600040101010101" pitchFamily="2" charset="-122"/>
+            </a:endParaRPr>
+          </a:p>
+          <a:p>
+            <a:pPr marL="1219181" lvl="1" indent="-457200">
+              <a:lnSpc>
+                <a:spcPct val="150000"/>
+              </a:lnSpc>
+              <a:buClr>
+                <a:srgbClr val="000000"/>
+              </a:buClr>
+              <a:buSzPts val="1800"/>
+              <a:buFont typeface="Arial" panose="020B0604020202020204" pitchFamily="34" charset="0"/>
+              <a:buChar char="•"/>
+            </a:pPr>
+            <a:r>
+              <a:rPr lang="zh-TW" altLang="en-US" sz="2400" dirty="0">
+                <a:solidFill>
+                  <a:srgbClr val="000000"/>
+                </a:solidFill>
+                <a:latin typeface="Kaiti SC" panose="02010600040101010101" pitchFamily="2" charset="-122"/>
+                <a:ea typeface="Kaiti SC" panose="02010600040101010101" pitchFamily="2" charset="-122"/>
+              </a:rPr>
+              <a:t>語音助理無所不在； 手機、汽車、消費性電子產品、家電等。</a:t>
+            </a:r>
+            <a:endParaRPr sz="2400" dirty="0">
+              <a:solidFill>
+                <a:srgbClr val="000000"/>
+              </a:solidFill>
+              <a:latin typeface="Kaiti SC" panose="02010600040101010101" pitchFamily="2" charset="-122"/>
+              <a:ea typeface="Kaiti SC" panose="02010600040101010101" pitchFamily="2" charset="-122"/>
+            </a:endParaRPr>
+          </a:p>
+          <a:p>
+            <a:pPr marL="649814" indent="-514350">
+              <a:lnSpc>
+                <a:spcPct val="150000"/>
+              </a:lnSpc>
+              <a:buClr>
+                <a:srgbClr val="000000"/>
+              </a:buClr>
+              <a:buSzPts val="2000"/>
+              <a:buFont typeface="+mj-lt"/>
+              <a:buAutoNum type="arabicPeriod"/>
+            </a:pPr>
+            <a:r>
+              <a:rPr lang="zh-TW" altLang="en-US" sz="2667" dirty="0">
+                <a:solidFill>
+                  <a:srgbClr val="000000"/>
+                </a:solidFill>
+                <a:latin typeface="Kaiti SC" panose="02010600040101010101" pitchFamily="2" charset="-122"/>
+                <a:ea typeface="Kaiti SC" panose="02010600040101010101" pitchFamily="2" charset="-122"/>
+              </a:rPr>
+              <a:t>目的</a:t>
+            </a:r>
+            <a:endParaRPr sz="2667" dirty="0">
+              <a:solidFill>
+                <a:srgbClr val="000000"/>
+              </a:solidFill>
+              <a:latin typeface="Kaiti SC" panose="02010600040101010101" pitchFamily="2" charset="-122"/>
+              <a:ea typeface="Kaiti SC" panose="02010600040101010101" pitchFamily="2" charset="-122"/>
+            </a:endParaRPr>
+          </a:p>
+          <a:p>
+            <a:pPr marL="1219181" lvl="1" indent="-457200">
+              <a:lnSpc>
+                <a:spcPct val="150000"/>
+              </a:lnSpc>
+              <a:buClr>
+                <a:srgbClr val="000000"/>
+              </a:buClr>
+              <a:buSzPts val="1800"/>
+              <a:buFont typeface="Arial" panose="020B0604020202020204" pitchFamily="34" charset="0"/>
+              <a:buChar char="•"/>
+            </a:pPr>
+            <a:r>
+              <a:rPr lang="zh-TW" altLang="en-US" sz="2400" dirty="0">
+                <a:solidFill>
+                  <a:srgbClr val="000000"/>
+                </a:solidFill>
+                <a:latin typeface="Kaiti SC" panose="02010600040101010101" pitchFamily="2" charset="-122"/>
+                <a:ea typeface="Kaiti SC" panose="02010600040101010101" pitchFamily="2" charset="-122"/>
+              </a:rPr>
+              <a:t>喚醒詞在麥克風端偵測，能低延遲和低功耗。</a:t>
+            </a:r>
+            <a:endParaRPr sz="2400" dirty="0">
+              <a:solidFill>
+                <a:srgbClr val="000000"/>
+              </a:solidFill>
+              <a:latin typeface="Kaiti SC" panose="02010600040101010101" pitchFamily="2" charset="-122"/>
+              <a:ea typeface="Kaiti SC" panose="02010600040101010101" pitchFamily="2" charset="-122"/>
+            </a:endParaRPr>
+          </a:p>
+          <a:p>
+            <a:pPr marL="649814" indent="-514350">
+              <a:lnSpc>
+                <a:spcPct val="150000"/>
+              </a:lnSpc>
+              <a:buClr>
+                <a:srgbClr val="000000"/>
+              </a:buClr>
+              <a:buSzPts val="2000"/>
+              <a:buFont typeface="+mj-lt"/>
+              <a:buAutoNum type="arabicPeriod"/>
+            </a:pPr>
+            <a:r>
+              <a:rPr lang="zh-TW" altLang="en-US" sz="2667" dirty="0">
+                <a:solidFill>
+                  <a:srgbClr val="000000"/>
+                </a:solidFill>
+                <a:latin typeface="Kaiti SC" panose="02010600040101010101" pitchFamily="2" charset="-122"/>
+                <a:ea typeface="Kaiti SC" panose="02010600040101010101" pitchFamily="2" charset="-122"/>
+              </a:rPr>
+              <a:t>功能</a:t>
+            </a:r>
+            <a:endParaRPr sz="2667" dirty="0">
+              <a:solidFill>
+                <a:srgbClr val="000000"/>
+              </a:solidFill>
+              <a:latin typeface="Kaiti SC" panose="02010600040101010101" pitchFamily="2" charset="-122"/>
+              <a:ea typeface="Kaiti SC" panose="02010600040101010101" pitchFamily="2" charset="-122"/>
+            </a:endParaRPr>
+          </a:p>
+          <a:p>
+            <a:pPr marL="1219181" lvl="1" indent="-457200">
+              <a:lnSpc>
+                <a:spcPct val="150000"/>
+              </a:lnSpc>
+              <a:buClr>
+                <a:srgbClr val="000000"/>
+              </a:buClr>
+              <a:buSzPts val="1800"/>
+              <a:buFont typeface="Arial" panose="020B0604020202020204" pitchFamily="34" charset="0"/>
+              <a:buChar char="•"/>
+            </a:pPr>
+            <a:r>
+              <a:rPr lang="en-US" altLang="zh-TW" sz="2400" dirty="0">
+                <a:solidFill>
+                  <a:srgbClr val="000000"/>
+                </a:solidFill>
+              </a:rPr>
+              <a:t>VAD</a:t>
+            </a:r>
+            <a:endParaRPr sz="2400" dirty="0">
+              <a:solidFill>
+                <a:srgbClr val="000000"/>
+              </a:solidFill>
+            </a:endParaRPr>
+          </a:p>
+          <a:p>
+            <a:pPr marL="1219181" lvl="1" indent="-457200">
+              <a:lnSpc>
+                <a:spcPct val="150000"/>
+              </a:lnSpc>
+              <a:buClr>
+                <a:srgbClr val="000000"/>
+              </a:buClr>
+              <a:buSzPts val="1800"/>
+              <a:buFont typeface="Arial" panose="020B0604020202020204" pitchFamily="34" charset="0"/>
+              <a:buChar char="•"/>
+            </a:pPr>
+            <a:r>
+              <a:rPr lang="en-US" altLang="zh-TW" sz="2400" dirty="0">
+                <a:solidFill>
+                  <a:srgbClr val="000000"/>
+                </a:solidFill>
+              </a:rPr>
+              <a:t>KWS</a:t>
+            </a:r>
+            <a:endParaRPr sz="2400" dirty="0">
+              <a:solidFill>
+                <a:srgbClr val="000000"/>
+              </a:solidFill>
+            </a:endParaRPr>
+          </a:p>
+          <a:p>
+            <a:pPr>
+              <a:lnSpc>
+                <a:spcPct val="115000"/>
+              </a:lnSpc>
+              <a:spcAft>
+                <a:spcPts val="1600"/>
+              </a:spcAft>
+            </a:pPr>
+            <a:endParaRPr sz="2667" dirty="0">
+              <a:solidFill>
+                <a:srgbClr val="595959"/>
+              </a:solidFill>
+            </a:endParaRPr>
+          </a:p>
+        </p:txBody>
+      </p:sp>
+    </p:spTree>
+  </p:cSld>
+  <p:clrMapOvr>
+    <a:masterClrMapping/>
+  </p:clrMapOvr>
+</p:sld>
+</file>
+
+<file path=ppt/slides/slide9.xml><?xml version="1.0" encoding="utf-8"?>
+<p:sld xmlns:a="http://schemas.openxmlformats.org/drawingml/2006/main" xmlns:r="http://schemas.openxmlformats.org/officeDocument/2006/relationships" xmlns:p="http://schemas.openxmlformats.org/presentationml/2006/main">
+  <p:cSld>
+    <p:spTree>
+      <p:nvGrpSpPr>
+        <p:cNvPr id="1" name="Shape 70"/>
+        <p:cNvGrpSpPr/>
+        <p:nvPr/>
+      </p:nvGrpSpPr>
+      <p:grpSpPr>
+        <a:xfrm>
+          <a:off x="0" y="0"/>
+          <a:ext cx="0" cy="0"/>
+          <a:chOff x="0" y="0"/>
+          <a:chExt cx="0" cy="0"/>
+        </a:xfrm>
+      </p:grpSpPr>
+      <p:sp>
+        <p:nvSpPr>
+          <p:cNvPr id="71" name="Google Shape;71;p16"/>
+          <p:cNvSpPr txBox="1">
+            <a:spLocks noGrp="1"/>
+          </p:cNvSpPr>
+          <p:nvPr>
+            <p:ph type="title"/>
+          </p:nvPr>
+        </p:nvSpPr>
+        <p:spPr>
+          <a:xfrm>
+            <a:off x="415600" y="229700"/>
+            <a:ext cx="11360800" cy="763600"/>
+          </a:xfrm>
+          <a:prstGeom prst="rect">
+            <a:avLst/>
+          </a:prstGeom>
+        </p:spPr>
+        <p:txBody>
+          <a:bodyPr spcFirstLastPara="1" vert="horz" wrap="square" lIns="121900" tIns="121900" rIns="121900" bIns="121900" rtlCol="0" anchor="t" anchorCtr="0">
+            <a:normAutofit fontScale="90000"/>
+          </a:bodyPr>
+          <a:lstStyle/>
+          <a:p>
+            <a:pPr>
+              <a:buClr>
+                <a:schemeClr val="dk1"/>
+              </a:buClr>
+              <a:buSzPct val="39285"/>
+            </a:pPr>
+            <a:r>
+              <a:rPr lang="zh-TW" dirty="0">
+                <a:latin typeface="Kaiti SC" panose="02010600040101010101" pitchFamily="2" charset="-122"/>
+                <a:ea typeface="Kaiti SC" panose="02010600040101010101" pitchFamily="2" charset="-122"/>
+              </a:rPr>
+              <a:t>VAD及KWS開發簡介</a:t>
+            </a:r>
+            <a:endParaRPr dirty="0">
+              <a:latin typeface="Kaiti SC" panose="02010600040101010101" pitchFamily="2" charset="-122"/>
+              <a:ea typeface="Kaiti SC" panose="02010600040101010101" pitchFamily="2" charset="-122"/>
+            </a:endParaRPr>
+          </a:p>
+        </p:txBody>
+      </p:sp>
+      <p:sp>
+        <p:nvSpPr>
+          <p:cNvPr id="72" name="Google Shape;72;p16"/>
+          <p:cNvSpPr txBox="1"/>
+          <p:nvPr/>
+        </p:nvSpPr>
+        <p:spPr>
+          <a:xfrm>
+            <a:off x="330700" y="1101567"/>
+            <a:ext cx="11697600" cy="5434800"/>
+          </a:xfrm>
+          <a:prstGeom prst="rect">
+            <a:avLst/>
+          </a:prstGeom>
+          <a:noFill/>
+          <a:ln>
+            <a:noFill/>
+          </a:ln>
+        </p:spPr>
+        <p:txBody>
+          <a:bodyPr spcFirstLastPara="1" wrap="square" lIns="121900" tIns="121900" rIns="121900" bIns="121900" anchor="t" anchorCtr="0">
+            <a:normAutofit/>
+          </a:bodyPr>
+          <a:lstStyle/>
+          <a:p>
+            <a:pPr>
+              <a:lnSpc>
+                <a:spcPct val="150000"/>
+              </a:lnSpc>
+            </a:pPr>
+            <a:r>
+              <a:rPr lang="en-US" altLang="zh-TW" sz="2667" dirty="0">
+                <a:solidFill>
+                  <a:schemeClr val="dk1"/>
+                </a:solidFill>
+              </a:rPr>
+              <a:t>1. </a:t>
+            </a:r>
+            <a:r>
+              <a:rPr lang="zh-TW" altLang="en-US" sz="2800" dirty="0">
+                <a:solidFill>
+                  <a:schemeClr val="dk1"/>
+                </a:solidFill>
+                <a:latin typeface="Kaiti SC" panose="02010600040101010101" pitchFamily="2" charset="-122"/>
+                <a:ea typeface="Kaiti SC" panose="02010600040101010101" pitchFamily="2" charset="-122"/>
+              </a:rPr>
+              <a:t>以深度學習技行建構語音功能模型，並執行資源極限制的邊緣環境。</a:t>
+            </a:r>
+            <a:endParaRPr sz="2800" dirty="0">
+              <a:solidFill>
+                <a:schemeClr val="dk1"/>
+              </a:solidFill>
+              <a:latin typeface="Kaiti SC" panose="02010600040101010101" pitchFamily="2" charset="-122"/>
+              <a:ea typeface="Kaiti SC" panose="02010600040101010101" pitchFamily="2" charset="-122"/>
+            </a:endParaRPr>
+          </a:p>
+          <a:p>
+            <a:pPr>
+              <a:lnSpc>
+                <a:spcPct val="150000"/>
+              </a:lnSpc>
+              <a:spcBef>
+                <a:spcPts val="1600"/>
+              </a:spcBef>
+            </a:pPr>
+            <a:r>
+              <a:rPr lang="en-US" altLang="zh-TW" sz="2800" dirty="0">
+                <a:solidFill>
+                  <a:schemeClr val="dk1"/>
+                </a:solidFill>
+                <a:latin typeface="Kaiti SC" panose="02010600040101010101" pitchFamily="2" charset="-122"/>
+                <a:ea typeface="Kaiti SC" panose="02010600040101010101" pitchFamily="2" charset="-122"/>
+              </a:rPr>
+              <a:t>2. </a:t>
+            </a:r>
+            <a:r>
+              <a:rPr lang="zh-TW" altLang="en-US" sz="2800" dirty="0">
+                <a:solidFill>
+                  <a:schemeClr val="dk1"/>
+                </a:solidFill>
+                <a:latin typeface="Kaiti SC" panose="02010600040101010101" pitchFamily="2" charset="-122"/>
+                <a:ea typeface="Kaiti SC" panose="02010600040101010101" pitchFamily="2" charset="-122"/>
+              </a:rPr>
+              <a:t>研發離線低功耗、低資源具喚醒詞麥克風智能晶片。</a:t>
+            </a:r>
+            <a:endParaRPr sz="2800" dirty="0">
+              <a:solidFill>
+                <a:schemeClr val="dk1"/>
+              </a:solidFill>
+              <a:latin typeface="Kaiti SC" panose="02010600040101010101" pitchFamily="2" charset="-122"/>
+              <a:ea typeface="Kaiti SC" panose="02010600040101010101" pitchFamily="2" charset="-122"/>
+            </a:endParaRPr>
+          </a:p>
+          <a:p>
+            <a:pPr>
+              <a:lnSpc>
+                <a:spcPct val="150000"/>
+              </a:lnSpc>
+              <a:spcBef>
+                <a:spcPts val="1600"/>
+              </a:spcBef>
+            </a:pPr>
+            <a:r>
+              <a:rPr lang="en-US" altLang="zh-TW" sz="2800" dirty="0">
+                <a:solidFill>
+                  <a:schemeClr val="dk1"/>
+                </a:solidFill>
+                <a:latin typeface="Kaiti SC" panose="02010600040101010101" pitchFamily="2" charset="-122"/>
+                <a:ea typeface="Kaiti SC" panose="02010600040101010101" pitchFamily="2" charset="-122"/>
+              </a:rPr>
+              <a:t>3. </a:t>
+            </a:r>
+            <a:r>
+              <a:rPr lang="zh-TW" altLang="en-US" sz="2800" dirty="0">
+                <a:solidFill>
+                  <a:schemeClr val="dk1"/>
+                </a:solidFill>
+                <a:latin typeface="Kaiti SC" panose="02010600040101010101" pitchFamily="2" charset="-122"/>
+                <a:ea typeface="Kaiti SC" panose="02010600040101010101" pitchFamily="2" charset="-122"/>
+              </a:rPr>
+              <a:t>希望以此為基礎，未來研發具備離線命令詞的麥克風智能晶片。</a:t>
+            </a:r>
+            <a:endParaRPr sz="2800" dirty="0">
+              <a:solidFill>
+                <a:schemeClr val="dk1"/>
+              </a:solidFill>
+              <a:latin typeface="Kaiti SC" panose="02010600040101010101" pitchFamily="2" charset="-122"/>
+              <a:ea typeface="Kaiti SC" panose="02010600040101010101" pitchFamily="2" charset="-122"/>
+            </a:endParaRPr>
+          </a:p>
+          <a:p>
+            <a:pPr>
+              <a:lnSpc>
+                <a:spcPct val="115000"/>
+              </a:lnSpc>
+              <a:spcBef>
+                <a:spcPts val="1600"/>
+              </a:spcBef>
+              <a:spcAft>
+                <a:spcPts val="1600"/>
+              </a:spcAft>
+            </a:pPr>
+            <a:endParaRPr sz="2667" dirty="0">
+              <a:solidFill>
+                <a:schemeClr val="dk1"/>
+              </a:solidFill>
+            </a:endParaRPr>
+          </a:p>
+        </p:txBody>
+      </p:sp>
+    </p:spTree>
+  </p:cSld>
+  <p:clrMapOvr>
+    <a:masterClrMapping/>
+  </p:clrMapOvr>
+</p:sld>
+</file>
+
 <file path=ppt/theme/theme1.xml><?xml version="1.0" encoding="utf-8"?>
 <a:theme xmlns:a="http://schemas.openxmlformats.org/drawingml/2006/main" name="Office 佈景主題">
   <a:themeElements>
@@ -5264,4 +8979,299 @@
     </a:ext>
   </a:extLst>
 </a:theme>
+</file>
+
+<file path=ppt/theme/theme2.xml><?xml version="1.0" encoding="utf-8"?>
+<a:theme xmlns:a="http://schemas.openxmlformats.org/drawingml/2006/main" name="Office 佈景主題">
+  <a:themeElements>
+    <a:clrScheme name="Office">
+      <a:dk1>
+        <a:sysClr val="windowText" lastClr="000000"/>
+      </a:dk1>
+      <a:lt1>
+        <a:sysClr val="window" lastClr="FFFFFF"/>
+      </a:lt1>
+      <a:dk2>
+        <a:srgbClr val="44546A"/>
+      </a:dk2>
+      <a:lt2>
+        <a:srgbClr val="E7E6E6"/>
+      </a:lt2>
+      <a:accent1>
+        <a:srgbClr val="4472C4"/>
+      </a:accent1>
+      <a:accent2>
+        <a:srgbClr val="ED7D31"/>
+      </a:accent2>
+      <a:accent3>
+        <a:srgbClr val="A5A5A5"/>
+      </a:accent3>
+      <a:accent4>
+        <a:srgbClr val="FFC000"/>
+      </a:accent4>
+      <a:accent5>
+        <a:srgbClr val="5B9BD5"/>
+      </a:accent5>
+      <a:accent6>
+        <a:srgbClr val="70AD47"/>
+      </a:accent6>
+      <a:hlink>
+        <a:srgbClr val="0563C1"/>
+      </a:hlink>
+      <a:folHlink>
+        <a:srgbClr val="954F72"/>
+      </a:folHlink>
+    </a:clrScheme>
+    <a:fontScheme name="Office">
+      <a:majorFont>
+        <a:latin typeface="Calibri Light" panose="020F0302020204030204"/>
+        <a:ea typeface=""/>
+        <a:cs typeface=""/>
+        <a:font script="Jpan" typeface="游ゴシック Light"/>
+        <a:font script="Hang" typeface="맑은 고딕"/>
+        <a:font script="Hans" typeface="等线 Light"/>
+        <a:font script="Hant" typeface="新細明體"/>
+        <a:font script="Arab" typeface="Times New Roman"/>
+        <a:font script="Hebr" typeface="Times New Roman"/>
+        <a:font script="Thai" typeface="Angsana New"/>
+        <a:font script="Ethi" typeface="Nyala"/>
+        <a:font script="Beng" typeface="Vrinda"/>
+        <a:font script="Gujr" typeface="Shruti"/>
+        <a:font script="Khmr" typeface="MoolBoran"/>
+        <a:font script="Knda" typeface="Tunga"/>
+        <a:font script="Guru" typeface="Raavi"/>
+        <a:font script="Cans" typeface="Euphemia"/>
+        <a:font script="Cher" typeface="Plantagenet Cherokee"/>
+        <a:font script="Yiii" typeface="Microsoft Yi Baiti"/>
+        <a:font script="Tibt" typeface="Microsoft Himalaya"/>
+        <a:font script="Thaa" typeface="MV Boli"/>
+        <a:font script="Deva" typeface="Mangal"/>
+        <a:font script="Telu" typeface="Gautami"/>
+        <a:font script="Taml" typeface="Latha"/>
+        <a:font script="Syrc" typeface="Estrangelo Edessa"/>
+        <a:font script="Orya" typeface="Kalinga"/>
+        <a:font script="Mlym" typeface="Kartika"/>
+        <a:font script="Laoo" typeface="DokChampa"/>
+        <a:font script="Sinh" typeface="Iskoola Pota"/>
+        <a:font script="Mong" typeface="Mongolian Baiti"/>
+        <a:font script="Viet" typeface="Times New Roman"/>
+        <a:font script="Uigh" typeface="Microsoft Uighur"/>
+        <a:font script="Geor" typeface="Sylfaen"/>
+        <a:font script="Armn" typeface="Arial"/>
+        <a:font script="Bugi" typeface="Leelawadee UI"/>
+        <a:font script="Bopo" typeface="Microsoft JhengHei"/>
+        <a:font script="Java" typeface="Javanese Text"/>
+        <a:font script="Lisu" typeface="Segoe UI"/>
+        <a:font script="Mymr" typeface="Myanmar Text"/>
+        <a:font script="Nkoo" typeface="Ebrima"/>
+        <a:font script="Olck" typeface="Nirmala UI"/>
+        <a:font script="Osma" typeface="Ebrima"/>
+        <a:font script="Phag" typeface="Phagspa"/>
+        <a:font script="Syrn" typeface="Estrangelo Edessa"/>
+        <a:font script="Syrj" typeface="Estrangelo Edessa"/>
+        <a:font script="Syre" typeface="Estrangelo Edessa"/>
+        <a:font script="Sora" typeface="Nirmala UI"/>
+        <a:font script="Tale" typeface="Microsoft Tai Le"/>
+        <a:font script="Talu" typeface="Microsoft New Tai Lue"/>
+        <a:font script="Tfng" typeface="Ebrima"/>
+      </a:majorFont>
+      <a:minorFont>
+        <a:latin typeface="Calibri" panose="020F0502020204030204"/>
+        <a:ea typeface=""/>
+        <a:cs typeface=""/>
+        <a:font script="Jpan" typeface="游ゴシック"/>
+        <a:font script="Hang" typeface="맑은 고딕"/>
+        <a:font script="Hans" typeface="等线"/>
+        <a:font script="Hant" typeface="新細明體"/>
+        <a:font script="Arab" typeface="Arial"/>
+        <a:font script="Hebr" typeface="Arial"/>
+        <a:font script="Thai" typeface="Cordia New"/>
+        <a:font script="Ethi" typeface="Nyala"/>
+        <a:font script="Beng" typeface="Vrinda"/>
+        <a:font script="Gujr" typeface="Shruti"/>
+        <a:font script="Khmr" typeface="DaunPenh"/>
+        <a:font script="Knda" typeface="Tunga"/>
+        <a:font script="Guru" typeface="Raavi"/>
+        <a:font script="Cans" typeface="Euphemia"/>
+        <a:font script="Cher" typeface="Plantagenet Cherokee"/>
+        <a:font script="Yiii" typeface="Microsoft Yi Baiti"/>
+        <a:font script="Tibt" typeface="Microsoft Himalaya"/>
+        <a:font script="Thaa" typeface="MV Boli"/>
+        <a:font script="Deva" typeface="Mangal"/>
+        <a:font script="Telu" typeface="Gautami"/>
+        <a:font script="Taml" typeface="Latha"/>
+        <a:font script="Syrc" typeface="Estrangelo Edessa"/>
+        <a:font script="Orya" typeface="Kalinga"/>
+        <a:font script="Mlym" typeface="Kartika"/>
+        <a:font script="Laoo" typeface="DokChampa"/>
+        <a:font script="Sinh" typeface="Iskoola Pota"/>
+        <a:font script="Mong" typeface="Mongolian Baiti"/>
+        <a:font script="Viet" typeface="Arial"/>
+        <a:font script="Uigh" typeface="Microsoft Uighur"/>
+        <a:font script="Geor" typeface="Sylfaen"/>
+        <a:font script="Armn" typeface="Arial"/>
+        <a:font script="Bugi" typeface="Leelawadee UI"/>
+        <a:font script="Bopo" typeface="Microsoft JhengHei"/>
+        <a:font script="Java" typeface="Javanese Text"/>
+        <a:font script="Lisu" typeface="Segoe UI"/>
+        <a:font script="Mymr" typeface="Myanmar Text"/>
+        <a:font script="Nkoo" typeface="Ebrima"/>
+        <a:font script="Olck" typeface="Nirmala UI"/>
+        <a:font script="Osma" typeface="Ebrima"/>
+        <a:font script="Phag" typeface="Phagspa"/>
+        <a:font script="Syrn" typeface="Estrangelo Edessa"/>
+        <a:font script="Syrj" typeface="Estrangelo Edessa"/>
+        <a:font script="Syre" typeface="Estrangelo Edessa"/>
+        <a:font script="Sora" typeface="Nirmala UI"/>
+        <a:font script="Tale" typeface="Microsoft Tai Le"/>
+        <a:font script="Talu" typeface="Microsoft New Tai Lue"/>
+        <a:font script="Tfng" typeface="Ebrima"/>
+      </a:minorFont>
+    </a:fontScheme>
+    <a:fmtScheme name="Office">
+      <a:fillStyleLst>
+        <a:solidFill>
+          <a:schemeClr val="phClr"/>
+        </a:solidFill>
+        <a:gradFill rotWithShape="1">
+          <a:gsLst>
+            <a:gs pos="0">
+              <a:schemeClr val="phClr">
+                <a:lumMod val="110000"/>
+                <a:satMod val="105000"/>
+                <a:tint val="67000"/>
+              </a:schemeClr>
+            </a:gs>
+            <a:gs pos="50000">
+              <a:schemeClr val="phClr">
+                <a:lumMod val="105000"/>
+                <a:satMod val="103000"/>
+                <a:tint val="73000"/>
+              </a:schemeClr>
+            </a:gs>
+            <a:gs pos="100000">
+              <a:schemeClr val="phClr">
+                <a:lumMod val="105000"/>
+                <a:satMod val="109000"/>
+                <a:tint val="81000"/>
+              </a:schemeClr>
+            </a:gs>
+          </a:gsLst>
+          <a:lin ang="5400000" scaled="0"/>
+        </a:gradFill>
+        <a:gradFill rotWithShape="1">
+          <a:gsLst>
+            <a:gs pos="0">
+              <a:schemeClr val="phClr">
+                <a:satMod val="103000"/>
+                <a:lumMod val="102000"/>
+                <a:tint val="94000"/>
+              </a:schemeClr>
+            </a:gs>
+            <a:gs pos="50000">
+              <a:schemeClr val="phClr">
+                <a:satMod val="110000"/>
+                <a:lumMod val="100000"/>
+                <a:shade val="100000"/>
+              </a:schemeClr>
+            </a:gs>
+            <a:gs pos="100000">
+              <a:schemeClr val="phClr">
+                <a:lumMod val="99000"/>
+                <a:satMod val="120000"/>
+                <a:shade val="78000"/>
+              </a:schemeClr>
+            </a:gs>
+          </a:gsLst>
+          <a:lin ang="5400000" scaled="0"/>
+        </a:gradFill>
+      </a:fillStyleLst>
+      <a:lnStyleLst>
+        <a:ln w="6350" cap="flat" cmpd="sng" algn="ctr">
+          <a:solidFill>
+            <a:schemeClr val="phClr"/>
+          </a:solidFill>
+          <a:prstDash val="solid"/>
+          <a:miter lim="800000"/>
+        </a:ln>
+        <a:ln w="12700" cap="flat" cmpd="sng" algn="ctr">
+          <a:solidFill>
+            <a:schemeClr val="phClr"/>
+          </a:solidFill>
+          <a:prstDash val="solid"/>
+          <a:miter lim="800000"/>
+        </a:ln>
+        <a:ln w="19050" cap="flat" cmpd="sng" algn="ctr">
+          <a:solidFill>
+            <a:schemeClr val="phClr"/>
+          </a:solidFill>
+          <a:prstDash val="solid"/>
+          <a:miter lim="800000"/>
+        </a:ln>
+      </a:lnStyleLst>
+      <a:effectStyleLst>
+        <a:effectStyle>
+          <a:effectLst/>
+        </a:effectStyle>
+        <a:effectStyle>
+          <a:effectLst/>
+        </a:effectStyle>
+        <a:effectStyle>
+          <a:effectLst>
+            <a:outerShdw blurRad="57150" dist="19050" dir="5400000" algn="ctr" rotWithShape="0">
+              <a:srgbClr val="000000">
+                <a:alpha val="63000"/>
+              </a:srgbClr>
+            </a:outerShdw>
+          </a:effectLst>
+        </a:effectStyle>
+      </a:effectStyleLst>
+      <a:bgFillStyleLst>
+        <a:solidFill>
+          <a:schemeClr val="phClr"/>
+        </a:solidFill>
+        <a:solidFill>
+          <a:schemeClr val="phClr">
+            <a:tint val="95000"/>
+            <a:satMod val="170000"/>
+          </a:schemeClr>
+        </a:solidFill>
+        <a:gradFill rotWithShape="1">
+          <a:gsLst>
+            <a:gs pos="0">
+              <a:schemeClr val="phClr">
+                <a:tint val="93000"/>
+                <a:satMod val="150000"/>
+                <a:shade val="98000"/>
+                <a:lumMod val="102000"/>
+              </a:schemeClr>
+            </a:gs>
+            <a:gs pos="50000">
+              <a:schemeClr val="phClr">
+                <a:tint val="98000"/>
+                <a:satMod val="130000"/>
+                <a:shade val="90000"/>
+                <a:lumMod val="103000"/>
+              </a:schemeClr>
+            </a:gs>
+            <a:gs pos="100000">
+              <a:schemeClr val="phClr">
+                <a:shade val="63000"/>
+                <a:satMod val="120000"/>
+              </a:schemeClr>
+            </a:gs>
+          </a:gsLst>
+          <a:lin ang="5400000" scaled="0"/>
+        </a:gradFill>
+      </a:bgFillStyleLst>
+    </a:fmtScheme>
+  </a:themeElements>
+  <a:objectDefaults/>
+  <a:extraClrSchemeLst/>
+  <a:extLst>
+    <a:ext uri="{05A4C25C-085E-4340-85A3-A5531E510DB2}">
+      <thm15:themeFamily xmlns:thm15="http://schemas.microsoft.com/office/thememl/2012/main" name="Office Theme" id="{62F939B6-93AF-4DB8-9C6B-D6C7DFDC589F}" vid="{4A3C46E8-61CC-4603-A589-7422A47A8E4A}"/>
+    </a:ext>
+  </a:extLst>
+</a:theme>
 </file>
--- a/Interview_Repo/PPT/ppt_for_環球睿視.pptx
+++ b/Interview_Repo/PPT/ppt_for_環球睿視.pptx
@@ -5,26 +5,25 @@
     <p:sldMasterId id="2147483648" r:id="rId1"/>
   </p:sldMasterIdLst>
   <p:notesMasterIdLst>
-    <p:notesMasterId r:id="rId19"/>
+    <p:notesMasterId r:id="rId18"/>
   </p:notesMasterIdLst>
   <p:sldIdLst>
     <p:sldId id="256" r:id="rId2"/>
-    <p:sldId id="265" r:id="rId3"/>
-    <p:sldId id="266" r:id="rId4"/>
-    <p:sldId id="257" r:id="rId5"/>
-    <p:sldId id="258" r:id="rId6"/>
-    <p:sldId id="259" r:id="rId7"/>
-    <p:sldId id="267" r:id="rId8"/>
-    <p:sldId id="261" r:id="rId9"/>
-    <p:sldId id="262" r:id="rId10"/>
-    <p:sldId id="263" r:id="rId11"/>
-    <p:sldId id="264" r:id="rId12"/>
-    <p:sldId id="268" r:id="rId13"/>
-    <p:sldId id="269" r:id="rId14"/>
-    <p:sldId id="270" r:id="rId15"/>
-    <p:sldId id="271" r:id="rId16"/>
-    <p:sldId id="272" r:id="rId17"/>
-    <p:sldId id="273" r:id="rId18"/>
+    <p:sldId id="266" r:id="rId3"/>
+    <p:sldId id="257" r:id="rId4"/>
+    <p:sldId id="258" r:id="rId5"/>
+    <p:sldId id="259" r:id="rId6"/>
+    <p:sldId id="267" r:id="rId7"/>
+    <p:sldId id="261" r:id="rId8"/>
+    <p:sldId id="262" r:id="rId9"/>
+    <p:sldId id="263" r:id="rId10"/>
+    <p:sldId id="264" r:id="rId11"/>
+    <p:sldId id="268" r:id="rId12"/>
+    <p:sldId id="269" r:id="rId13"/>
+    <p:sldId id="270" r:id="rId14"/>
+    <p:sldId id="271" r:id="rId15"/>
+    <p:sldId id="272" r:id="rId16"/>
+    <p:sldId id="273" r:id="rId17"/>
   </p:sldIdLst>
   <p:sldSz cx="12192000" cy="6858000"/>
   <p:notesSz cx="6858000" cy="9144000"/>
@@ -123,6 +122,11 @@
       </a:defRPr>
     </a:lvl9pPr>
   </p:defaultTextStyle>
+  <p:extLst>
+    <p:ext uri="{EFAFB233-063F-42B5-8137-9DF3F51BA10A}">
+      <p15:sldGuideLst xmlns:p15="http://schemas.microsoft.com/office/powerpoint/2012/main"/>
+    </p:ext>
+  </p:extLst>
 </p:presentation>
 </file>
 
@@ -4884,271 +4888,6 @@
   <p:cSld>
     <p:spTree>
       <p:nvGrpSpPr>
-        <p:cNvPr id="1" name="Shape 76"/>
-        <p:cNvGrpSpPr/>
-        <p:nvPr/>
-      </p:nvGrpSpPr>
-      <p:grpSpPr>
-        <a:xfrm>
-          <a:off x="0" y="0"/>
-          <a:ext cx="0" cy="0"/>
-          <a:chOff x="0" y="0"/>
-          <a:chExt cx="0" cy="0"/>
-        </a:xfrm>
-      </p:grpSpPr>
-      <p:sp>
-        <p:nvSpPr>
-          <p:cNvPr id="77" name="Google Shape;77;p17"/>
-          <p:cNvSpPr txBox="1">
-            <a:spLocks noGrp="1"/>
-          </p:cNvSpPr>
-          <p:nvPr>
-            <p:ph type="title"/>
-          </p:nvPr>
-        </p:nvSpPr>
-        <p:spPr>
-          <a:xfrm>
-            <a:off x="415600" y="229700"/>
-            <a:ext cx="11360800" cy="763600"/>
-          </a:xfrm>
-          <a:prstGeom prst="rect">
-            <a:avLst/>
-          </a:prstGeom>
-        </p:spPr>
-        <p:txBody>
-          <a:bodyPr spcFirstLastPara="1" vert="horz" wrap="square" lIns="121900" tIns="121900" rIns="121900" bIns="121900" rtlCol="0" anchor="t" anchorCtr="0">
-            <a:normAutofit fontScale="90000"/>
-          </a:bodyPr>
-          <a:lstStyle/>
-          <a:p>
-            <a:pPr>
-              <a:buClr>
-                <a:schemeClr val="dk1"/>
-              </a:buClr>
-              <a:buSzPct val="39285"/>
-            </a:pPr>
-            <a:r>
-              <a:rPr lang="zh-TW" dirty="0">
-                <a:latin typeface="Kaiti SC" panose="02010600040101010101" pitchFamily="2" charset="-122"/>
-                <a:ea typeface="Kaiti SC" panose="02010600040101010101" pitchFamily="2" charset="-122"/>
-              </a:rPr>
-              <a:t>VAD及KWS開發簡介</a:t>
-            </a:r>
-            <a:endParaRPr dirty="0">
-              <a:latin typeface="Kaiti SC" panose="02010600040101010101" pitchFamily="2" charset="-122"/>
-              <a:ea typeface="Kaiti SC" panose="02010600040101010101" pitchFamily="2" charset="-122"/>
-            </a:endParaRPr>
-          </a:p>
-        </p:txBody>
-      </p:sp>
-      <p:sp>
-        <p:nvSpPr>
-          <p:cNvPr id="78" name="Google Shape;78;p17"/>
-          <p:cNvSpPr txBox="1"/>
-          <p:nvPr/>
-        </p:nvSpPr>
-        <p:spPr>
-          <a:xfrm>
-            <a:off x="330700" y="1101567"/>
-            <a:ext cx="11697600" cy="5434800"/>
-          </a:xfrm>
-          <a:prstGeom prst="rect">
-            <a:avLst/>
-          </a:prstGeom>
-          <a:noFill/>
-          <a:ln>
-            <a:noFill/>
-          </a:ln>
-        </p:spPr>
-        <p:txBody>
-          <a:bodyPr spcFirstLastPara="1" wrap="square" lIns="121900" tIns="121900" rIns="121900" bIns="121900" anchor="t" anchorCtr="0">
-            <a:normAutofit/>
-          </a:bodyPr>
-          <a:lstStyle/>
-          <a:p>
-            <a:pPr>
-              <a:lnSpc>
-                <a:spcPct val="150000"/>
-              </a:lnSpc>
-            </a:pPr>
-            <a:r>
-              <a:rPr lang="en-US" altLang="zh-TW" sz="2667" dirty="0">
-                <a:solidFill>
-                  <a:schemeClr val="dk1"/>
-                </a:solidFill>
-              </a:rPr>
-              <a:t>1. </a:t>
-            </a:r>
-            <a:r>
-              <a:rPr lang="en-US" altLang="zh-TW" sz="2800" dirty="0">
-                <a:solidFill>
-                  <a:schemeClr val="dk1"/>
-                </a:solidFill>
-              </a:rPr>
-              <a:t>Deep Learning Framework: </a:t>
-            </a:r>
-            <a:r>
-              <a:rPr lang="en-US" altLang="zh-TW" sz="2800" dirty="0" err="1">
-                <a:solidFill>
-                  <a:schemeClr val="dk1"/>
-                </a:solidFill>
-              </a:rPr>
-              <a:t>Tensorflow</a:t>
-            </a:r>
-            <a:r>
-              <a:rPr lang="en-US" altLang="zh-TW" sz="2800" dirty="0">
-                <a:solidFill>
-                  <a:schemeClr val="dk1"/>
-                </a:solidFill>
-              </a:rPr>
-              <a:t> and </a:t>
-            </a:r>
-            <a:r>
-              <a:rPr lang="en-US" altLang="zh-TW" sz="2800" dirty="0" err="1">
-                <a:solidFill>
-                  <a:schemeClr val="dk1"/>
-                </a:solidFill>
-              </a:rPr>
-              <a:t>Pytorch</a:t>
-            </a:r>
-            <a:endParaRPr sz="2800" dirty="0">
-              <a:solidFill>
-                <a:schemeClr val="dk1"/>
-              </a:solidFill>
-            </a:endParaRPr>
-          </a:p>
-          <a:p>
-            <a:pPr>
-              <a:lnSpc>
-                <a:spcPct val="150000"/>
-              </a:lnSpc>
-              <a:spcBef>
-                <a:spcPts val="1600"/>
-              </a:spcBef>
-            </a:pPr>
-            <a:r>
-              <a:rPr lang="en-US" altLang="zh-TW" sz="2800" dirty="0">
-                <a:solidFill>
-                  <a:schemeClr val="dk1"/>
-                </a:solidFill>
-              </a:rPr>
-              <a:t>2. Deep Learning Model Architectures:</a:t>
-            </a:r>
-            <a:br>
-              <a:rPr lang="en-US" altLang="zh-TW" sz="2800" dirty="0">
-                <a:solidFill>
-                  <a:schemeClr val="dk1"/>
-                </a:solidFill>
-              </a:rPr>
-            </a:br>
-            <a:r>
-              <a:rPr lang="en-US" altLang="zh-TW" sz="2800" dirty="0">
-                <a:solidFill>
-                  <a:schemeClr val="dk1"/>
-                </a:solidFill>
-              </a:rPr>
-              <a:t>     VAD: Two-Layer Full Connected Neural Network.</a:t>
-            </a:r>
-            <a:br>
-              <a:rPr lang="en-US" altLang="zh-TW" sz="2800" dirty="0">
-                <a:solidFill>
-                  <a:schemeClr val="dk1"/>
-                </a:solidFill>
-              </a:rPr>
-            </a:br>
-            <a:r>
-              <a:rPr lang="en-US" altLang="zh-TW" sz="2800" dirty="0">
-                <a:solidFill>
-                  <a:schemeClr val="dk1"/>
-                </a:solidFill>
-              </a:rPr>
-              <a:t>     KWS: Three-Layer Full Connected Neural Network.</a:t>
-            </a:r>
-            <a:endParaRPr sz="2800" dirty="0">
-              <a:solidFill>
-                <a:schemeClr val="dk1"/>
-              </a:solidFill>
-            </a:endParaRPr>
-          </a:p>
-          <a:p>
-            <a:pPr>
-              <a:lnSpc>
-                <a:spcPct val="150000"/>
-              </a:lnSpc>
-              <a:spcBef>
-                <a:spcPts val="1600"/>
-              </a:spcBef>
-            </a:pPr>
-            <a:r>
-              <a:rPr lang="en-US" altLang="zh-TW" sz="2800" dirty="0">
-                <a:solidFill>
-                  <a:schemeClr val="dk1"/>
-                </a:solidFill>
-              </a:rPr>
-              <a:t>3. Training Speech Corpus: Keyword-spotting research datasets.</a:t>
-            </a:r>
-            <a:endParaRPr sz="2800" dirty="0">
-              <a:solidFill>
-                <a:schemeClr val="dk1"/>
-              </a:solidFill>
-            </a:endParaRPr>
-          </a:p>
-          <a:p>
-            <a:pPr>
-              <a:lnSpc>
-                <a:spcPct val="150000"/>
-              </a:lnSpc>
-              <a:spcBef>
-                <a:spcPts val="1600"/>
-              </a:spcBef>
-            </a:pPr>
-            <a:r>
-              <a:rPr lang="en-US" altLang="zh-TW" sz="2800" dirty="0">
-                <a:solidFill>
-                  <a:schemeClr val="dk1"/>
-                </a:solidFill>
-              </a:rPr>
-              <a:t>4. Compression Approach: Int8 Quantization.</a:t>
-            </a:r>
-            <a:endParaRPr sz="2800" dirty="0">
-              <a:solidFill>
-                <a:schemeClr val="dk1"/>
-              </a:solidFill>
-            </a:endParaRPr>
-          </a:p>
-          <a:p>
-            <a:pPr>
-              <a:lnSpc>
-                <a:spcPct val="115000"/>
-              </a:lnSpc>
-              <a:spcBef>
-                <a:spcPts val="1600"/>
-              </a:spcBef>
-              <a:spcAft>
-                <a:spcPts val="1600"/>
-              </a:spcAft>
-            </a:pPr>
-            <a:endParaRPr sz="2667" dirty="0">
-              <a:solidFill>
-                <a:schemeClr val="dk1"/>
-              </a:solidFill>
-            </a:endParaRPr>
-          </a:p>
-        </p:txBody>
-      </p:sp>
-    </p:spTree>
-  </p:cSld>
-  <p:clrMapOvr>
-    <a:masterClrMapping/>
-  </p:clrMapOvr>
-</p:sld>
-</file>
-
-<file path=ppt/slides/slide11.xml><?xml version="1.0" encoding="utf-8"?>
-<p:sld xmlns:a="http://schemas.openxmlformats.org/drawingml/2006/main" xmlns:r="http://schemas.openxmlformats.org/officeDocument/2006/relationships" xmlns:p="http://schemas.openxmlformats.org/presentationml/2006/main">
-  <p:cSld>
-    <p:spTree>
-      <p:nvGrpSpPr>
         <p:cNvPr id="1" name="Shape 82"/>
         <p:cNvGrpSpPr/>
         <p:nvPr/>
@@ -5585,7 +5324,7 @@
 </p:sld>
 </file>
 
-<file path=ppt/slides/slide12.xml><?xml version="1.0" encoding="utf-8"?>
+<file path=ppt/slides/slide11.xml><?xml version="1.0" encoding="utf-8"?>
 <p:sld xmlns:a="http://schemas.openxmlformats.org/drawingml/2006/main" xmlns:r="http://schemas.openxmlformats.org/officeDocument/2006/relationships" xmlns:p="http://schemas.openxmlformats.org/presentationml/2006/main">
   <p:cSld>
     <p:spTree>
@@ -5658,7 +5397,7 @@
 </p:sld>
 </file>
 
-<file path=ppt/slides/slide13.xml><?xml version="1.0" encoding="utf-8"?>
+<file path=ppt/slides/slide12.xml><?xml version="1.0" encoding="utf-8"?>
 <p:sld xmlns:a="http://schemas.openxmlformats.org/drawingml/2006/main" xmlns:r="http://schemas.openxmlformats.org/officeDocument/2006/relationships" xmlns:p="http://schemas.openxmlformats.org/presentationml/2006/main">
   <p:cSld>
     <p:spTree>
@@ -5825,7 +5564,7 @@
 </p:sld>
 </file>
 
-<file path=ppt/slides/slide14.xml><?xml version="1.0" encoding="utf-8"?>
+<file path=ppt/slides/slide13.xml><?xml version="1.0" encoding="utf-8"?>
 <p:sld xmlns:a="http://schemas.openxmlformats.org/drawingml/2006/main" xmlns:r="http://schemas.openxmlformats.org/officeDocument/2006/relationships" xmlns:p="http://schemas.openxmlformats.org/presentationml/2006/main">
   <p:cSld>
     <p:spTree>
@@ -5911,7 +5650,7 @@
 </p:sld>
 </file>
 
-<file path=ppt/slides/slide15.xml><?xml version="1.0" encoding="utf-8"?>
+<file path=ppt/slides/slide14.xml><?xml version="1.0" encoding="utf-8"?>
 <p:sld xmlns:a="http://schemas.openxmlformats.org/drawingml/2006/main" xmlns:r="http://schemas.openxmlformats.org/officeDocument/2006/relationships" xmlns:p="http://schemas.openxmlformats.org/presentationml/2006/main">
   <p:cSld>
     <p:spTree>
@@ -6028,7 +5767,7 @@
 </p:sld>
 </file>
 
-<file path=ppt/slides/slide16.xml><?xml version="1.0" encoding="utf-8"?>
+<file path=ppt/slides/slide15.xml><?xml version="1.0" encoding="utf-8"?>
 <p:sld xmlns:a="http://schemas.openxmlformats.org/drawingml/2006/main" xmlns:r="http://schemas.openxmlformats.org/officeDocument/2006/relationships" xmlns:p="http://schemas.openxmlformats.org/presentationml/2006/main">
   <p:cSld>
     <p:spTree>
@@ -6188,7 +5927,7 @@
 </p:sld>
 </file>
 
-<file path=ppt/slides/slide17.xml><?xml version="1.0" encoding="utf-8"?>
+<file path=ppt/slides/slide16.xml><?xml version="1.0" encoding="utf-8"?>
 <p:sld xmlns:a="http://schemas.openxmlformats.org/drawingml/2006/main" xmlns:r="http://schemas.openxmlformats.org/officeDocument/2006/relationships" xmlns:p="http://schemas.openxmlformats.org/presentationml/2006/main">
   <p:cSld>
     <p:spTree>
@@ -6295,10 +6034,49 @@
           <a:chExt cx="0" cy="0"/>
         </a:xfrm>
       </p:grpSpPr>
+      <p:sp>
+        <p:nvSpPr>
+          <p:cNvPr id="2" name="標題 1">
+            <a:extLst>
+              <a:ext uri="{FF2B5EF4-FFF2-40B4-BE49-F238E27FC236}">
+                <a16:creationId xmlns:a16="http://schemas.microsoft.com/office/drawing/2014/main" id="{C39275BF-6618-6078-E7EC-ADA86F5D4D47}"/>
+              </a:ext>
+            </a:extLst>
+          </p:cNvPr>
+          <p:cNvSpPr>
+            <a:spLocks noGrp="1"/>
+          </p:cNvSpPr>
+          <p:nvPr>
+            <p:ph type="title"/>
+          </p:nvPr>
+        </p:nvSpPr>
+        <p:spPr>
+          <a:xfrm>
+            <a:off x="838200" y="2719387"/>
+            <a:ext cx="10515600" cy="1133475"/>
+          </a:xfrm>
+        </p:spPr>
+        <p:txBody>
+          <a:bodyPr>
+            <a:normAutofit/>
+          </a:bodyPr>
+          <a:lstStyle/>
+          <a:p>
+            <a:pPr algn="ctr"/>
+            <a:r>
+              <a:rPr kumimoji="1" lang="zh-TW" altLang="en-US" sz="5600" dirty="0">
+                <a:latin typeface="Kaiti SC" panose="02010600040101010101" pitchFamily="2" charset="-122"/>
+                <a:ea typeface="Kaiti SC" panose="02010600040101010101" pitchFamily="2" charset="-122"/>
+              </a:rPr>
+              <a:t>火災警報聲偵測模型</a:t>
+            </a:r>
+          </a:p>
+        </p:txBody>
+      </p:sp>
     </p:spTree>
     <p:extLst>
       <p:ext uri="{BB962C8B-B14F-4D97-AF65-F5344CB8AC3E}">
-        <p14:creationId xmlns:p14="http://schemas.microsoft.com/office/powerpoint/2010/main" val="1061284620"/>
+        <p14:creationId xmlns:p14="http://schemas.microsoft.com/office/powerpoint/2010/main" val="3294788670"/>
       </p:ext>
     </p:extLst>
   </p:cSld>
@@ -6330,75 +6108,6 @@
           <p:cNvPr id="2" name="標題 1">
             <a:extLst>
               <a:ext uri="{FF2B5EF4-FFF2-40B4-BE49-F238E27FC236}">
-                <a16:creationId xmlns:a16="http://schemas.microsoft.com/office/drawing/2014/main" id="{C39275BF-6618-6078-E7EC-ADA86F5D4D47}"/>
-              </a:ext>
-            </a:extLst>
-          </p:cNvPr>
-          <p:cNvSpPr>
-            <a:spLocks noGrp="1"/>
-          </p:cNvSpPr>
-          <p:nvPr>
-            <p:ph type="title"/>
-          </p:nvPr>
-        </p:nvSpPr>
-        <p:spPr>
-          <a:xfrm>
-            <a:off x="838200" y="2719387"/>
-            <a:ext cx="10515600" cy="1133475"/>
-          </a:xfrm>
-        </p:spPr>
-        <p:txBody>
-          <a:bodyPr>
-            <a:normAutofit/>
-          </a:bodyPr>
-          <a:lstStyle/>
-          <a:p>
-            <a:pPr algn="ctr"/>
-            <a:r>
-              <a:rPr kumimoji="1" lang="zh-TW" altLang="en-US" sz="5600" dirty="0">
-                <a:latin typeface="Kaiti SC" panose="02010600040101010101" pitchFamily="2" charset="-122"/>
-                <a:ea typeface="Kaiti SC" panose="02010600040101010101" pitchFamily="2" charset="-122"/>
-              </a:rPr>
-              <a:t>火災警報聲偵測模型</a:t>
-            </a:r>
-          </a:p>
-        </p:txBody>
-      </p:sp>
-    </p:spTree>
-    <p:extLst>
-      <p:ext uri="{BB962C8B-B14F-4D97-AF65-F5344CB8AC3E}">
-        <p14:creationId xmlns:p14="http://schemas.microsoft.com/office/powerpoint/2010/main" val="3294788670"/>
-      </p:ext>
-    </p:extLst>
-  </p:cSld>
-  <p:clrMapOvr>
-    <a:masterClrMapping/>
-  </p:clrMapOvr>
-</p:sld>
-</file>
-
-<file path=ppt/slides/slide4.xml><?xml version="1.0" encoding="utf-8"?>
-<p:sld xmlns:a="http://schemas.openxmlformats.org/drawingml/2006/main" xmlns:r="http://schemas.openxmlformats.org/officeDocument/2006/relationships" xmlns:p="http://schemas.openxmlformats.org/presentationml/2006/main">
-  <p:cSld>
-    <p:spTree>
-      <p:nvGrpSpPr>
-        <p:cNvPr id="1" name=""/>
-        <p:cNvGrpSpPr/>
-        <p:nvPr/>
-      </p:nvGrpSpPr>
-      <p:grpSpPr>
-        <a:xfrm>
-          <a:off x="0" y="0"/>
-          <a:ext cx="0" cy="0"/>
-          <a:chOff x="0" y="0"/>
-          <a:chExt cx="0" cy="0"/>
-        </a:xfrm>
-      </p:grpSpPr>
-      <p:sp>
-        <p:nvSpPr>
-          <p:cNvPr id="2" name="標題 1">
-            <a:extLst>
-              <a:ext uri="{FF2B5EF4-FFF2-40B4-BE49-F238E27FC236}">
                 <a16:creationId xmlns:a16="http://schemas.microsoft.com/office/drawing/2014/main" id="{9F37C3FD-A09C-E805-DCE0-78BB4A73D380}"/>
               </a:ext>
             </a:extLst>
@@ -6628,7 +6337,7 @@
 </p:sld>
 </file>
 
-<file path=ppt/slides/slide5.xml><?xml version="1.0" encoding="utf-8"?>
+<file path=ppt/slides/slide4.xml><?xml version="1.0" encoding="utf-8"?>
 <p:sld xmlns:a="http://schemas.openxmlformats.org/drawingml/2006/main" xmlns:r="http://schemas.openxmlformats.org/officeDocument/2006/relationships" xmlns:p="http://schemas.openxmlformats.org/presentationml/2006/main">
   <p:cSld>
     <p:spTree>
@@ -6820,8 +6529,8 @@
         </p:blipFill>
         <p:spPr>
           <a:xfrm>
-            <a:off x="2825970" y="2462805"/>
-            <a:ext cx="901700" cy="1727200"/>
+            <a:off x="2825969" y="2462805"/>
+            <a:ext cx="1196301" cy="1727200"/>
           </a:xfrm>
           <a:prstGeom prst="rect">
             <a:avLst/>
@@ -6988,6 +6697,53 @@
           </a:fontRef>
         </p:style>
       </p:cxnSp>
+      <p:cxnSp>
+        <p:nvCxnSpPr>
+          <p:cNvPr id="12" name="直線箭頭接點 11">
+            <a:extLst>
+              <a:ext uri="{FF2B5EF4-FFF2-40B4-BE49-F238E27FC236}">
+                <a16:creationId xmlns:a16="http://schemas.microsoft.com/office/drawing/2014/main" id="{F3BEAD08-B6EC-F944-950B-33F333CC1287}"/>
+              </a:ext>
+            </a:extLst>
+          </p:cNvPr>
+          <p:cNvCxnSpPr>
+            <a:cxnSpLocks/>
+          </p:cNvCxnSpPr>
+          <p:nvPr/>
+        </p:nvCxnSpPr>
+        <p:spPr>
+          <a:xfrm>
+            <a:off x="5486400" y="3985531"/>
+            <a:ext cx="2008909" cy="1071378"/>
+          </a:xfrm>
+          <a:prstGeom prst="straightConnector1">
+            <a:avLst/>
+          </a:prstGeom>
+          <a:ln w="34925">
+            <a:solidFill>
+              <a:schemeClr val="accent6">
+                <a:lumMod val="75000"/>
+              </a:schemeClr>
+            </a:solidFill>
+            <a:headEnd type="triangle"/>
+            <a:tailEnd type="triangle"/>
+          </a:ln>
+        </p:spPr>
+        <p:style>
+          <a:lnRef idx="1">
+            <a:schemeClr val="accent1"/>
+          </a:lnRef>
+          <a:fillRef idx="0">
+            <a:schemeClr val="accent1"/>
+          </a:fillRef>
+          <a:effectRef idx="0">
+            <a:schemeClr val="accent1"/>
+          </a:effectRef>
+          <a:fontRef idx="minor">
+            <a:schemeClr val="tx1"/>
+          </a:fontRef>
+        </p:style>
+      </p:cxnSp>
     </p:spTree>
     <p:extLst>
       <p:ext uri="{BB962C8B-B14F-4D97-AF65-F5344CB8AC3E}">
@@ -7001,7 +6757,7 @@
 </p:sld>
 </file>
 
-<file path=ppt/slides/slide6.xml><?xml version="1.0" encoding="utf-8"?>
+<file path=ppt/slides/slide5.xml><?xml version="1.0" encoding="utf-8"?>
 <p:sld xmlns:a="http://schemas.openxmlformats.org/drawingml/2006/main" xmlns:r="http://schemas.openxmlformats.org/officeDocument/2006/relationships" xmlns:p="http://schemas.openxmlformats.org/presentationml/2006/main">
   <p:cSld>
     <p:spTree>
@@ -8089,7 +7845,7 @@
 </p:sld>
 </file>
 
-<file path=ppt/slides/slide7.xml><?xml version="1.0" encoding="utf-8"?>
+<file path=ppt/slides/slide6.xml><?xml version="1.0" encoding="utf-8"?>
 <p:sld xmlns:a="http://schemas.openxmlformats.org/drawingml/2006/main" xmlns:r="http://schemas.openxmlformats.org/officeDocument/2006/relationships" xmlns:p="http://schemas.openxmlformats.org/presentationml/2006/main">
   <p:cSld>
     <p:spTree>
@@ -8162,7 +7918,7 @@
 </p:sld>
 </file>
 
-<file path=ppt/slides/slide8.xml><?xml version="1.0" encoding="utf-8"?>
+<file path=ppt/slides/slide7.xml><?xml version="1.0" encoding="utf-8"?>
 <p:sld xmlns:a="http://schemas.openxmlformats.org/drawingml/2006/main" xmlns:r="http://schemas.openxmlformats.org/officeDocument/2006/relationships" xmlns:p="http://schemas.openxmlformats.org/presentationml/2006/main">
   <p:cSld>
     <p:spTree>
@@ -8466,7 +8222,7 @@
 </p:sld>
 </file>
 
-<file path=ppt/slides/slide9.xml><?xml version="1.0" encoding="utf-8"?>
+<file path=ppt/slides/slide8.xml><?xml version="1.0" encoding="utf-8"?>
 <p:sld xmlns:a="http://schemas.openxmlformats.org/drawingml/2006/main" xmlns:r="http://schemas.openxmlformats.org/officeDocument/2006/relationships" xmlns:p="http://schemas.openxmlformats.org/presentationml/2006/main">
   <p:cSld>
     <p:spTree>
@@ -8656,6 +8412,271 @@
               </a:solidFill>
               <a:latin typeface="Kaiti SC" panose="02010600040101010101" pitchFamily="2" charset="-122"/>
               <a:ea typeface="Kaiti SC" panose="02010600040101010101" pitchFamily="2" charset="-122"/>
+            </a:endParaRPr>
+          </a:p>
+          <a:p>
+            <a:pPr>
+              <a:lnSpc>
+                <a:spcPct val="115000"/>
+              </a:lnSpc>
+              <a:spcBef>
+                <a:spcPts val="1600"/>
+              </a:spcBef>
+              <a:spcAft>
+                <a:spcPts val="1600"/>
+              </a:spcAft>
+            </a:pPr>
+            <a:endParaRPr sz="2667" dirty="0">
+              <a:solidFill>
+                <a:schemeClr val="dk1"/>
+              </a:solidFill>
+            </a:endParaRPr>
+          </a:p>
+        </p:txBody>
+      </p:sp>
+    </p:spTree>
+  </p:cSld>
+  <p:clrMapOvr>
+    <a:masterClrMapping/>
+  </p:clrMapOvr>
+</p:sld>
+</file>
+
+<file path=ppt/slides/slide9.xml><?xml version="1.0" encoding="utf-8"?>
+<p:sld xmlns:a="http://schemas.openxmlformats.org/drawingml/2006/main" xmlns:r="http://schemas.openxmlformats.org/officeDocument/2006/relationships" xmlns:p="http://schemas.openxmlformats.org/presentationml/2006/main">
+  <p:cSld>
+    <p:spTree>
+      <p:nvGrpSpPr>
+        <p:cNvPr id="1" name="Shape 76"/>
+        <p:cNvGrpSpPr/>
+        <p:nvPr/>
+      </p:nvGrpSpPr>
+      <p:grpSpPr>
+        <a:xfrm>
+          <a:off x="0" y="0"/>
+          <a:ext cx="0" cy="0"/>
+          <a:chOff x="0" y="0"/>
+          <a:chExt cx="0" cy="0"/>
+        </a:xfrm>
+      </p:grpSpPr>
+      <p:sp>
+        <p:nvSpPr>
+          <p:cNvPr id="77" name="Google Shape;77;p17"/>
+          <p:cNvSpPr txBox="1">
+            <a:spLocks noGrp="1"/>
+          </p:cNvSpPr>
+          <p:nvPr>
+            <p:ph type="title"/>
+          </p:nvPr>
+        </p:nvSpPr>
+        <p:spPr>
+          <a:xfrm>
+            <a:off x="415600" y="229700"/>
+            <a:ext cx="11360800" cy="763600"/>
+          </a:xfrm>
+          <a:prstGeom prst="rect">
+            <a:avLst/>
+          </a:prstGeom>
+        </p:spPr>
+        <p:txBody>
+          <a:bodyPr spcFirstLastPara="1" vert="horz" wrap="square" lIns="121900" tIns="121900" rIns="121900" bIns="121900" rtlCol="0" anchor="t" anchorCtr="0">
+            <a:normAutofit fontScale="90000"/>
+          </a:bodyPr>
+          <a:lstStyle/>
+          <a:p>
+            <a:pPr>
+              <a:buClr>
+                <a:schemeClr val="dk1"/>
+              </a:buClr>
+              <a:buSzPct val="39285"/>
+            </a:pPr>
+            <a:r>
+              <a:rPr lang="zh-TW" dirty="0">
+                <a:latin typeface="Kaiti SC" panose="02010600040101010101" pitchFamily="2" charset="-122"/>
+                <a:ea typeface="Kaiti SC" panose="02010600040101010101" pitchFamily="2" charset="-122"/>
+              </a:rPr>
+              <a:t>VAD及KWS開發簡介</a:t>
+            </a:r>
+            <a:endParaRPr dirty="0">
+              <a:latin typeface="Kaiti SC" panose="02010600040101010101" pitchFamily="2" charset="-122"/>
+              <a:ea typeface="Kaiti SC" panose="02010600040101010101" pitchFamily="2" charset="-122"/>
+            </a:endParaRPr>
+          </a:p>
+        </p:txBody>
+      </p:sp>
+      <p:sp>
+        <p:nvSpPr>
+          <p:cNvPr id="78" name="Google Shape;78;p17"/>
+          <p:cNvSpPr txBox="1"/>
+          <p:nvPr/>
+        </p:nvSpPr>
+        <p:spPr>
+          <a:xfrm>
+            <a:off x="330700" y="1101567"/>
+            <a:ext cx="11697600" cy="5434800"/>
+          </a:xfrm>
+          <a:prstGeom prst="rect">
+            <a:avLst/>
+          </a:prstGeom>
+          <a:noFill/>
+          <a:ln>
+            <a:noFill/>
+          </a:ln>
+        </p:spPr>
+        <p:txBody>
+          <a:bodyPr spcFirstLastPara="1" wrap="square" lIns="121900" tIns="121900" rIns="121900" bIns="121900" anchor="t" anchorCtr="0">
+            <a:normAutofit/>
+          </a:bodyPr>
+          <a:lstStyle/>
+          <a:p>
+            <a:pPr>
+              <a:lnSpc>
+                <a:spcPct val="150000"/>
+              </a:lnSpc>
+            </a:pPr>
+            <a:r>
+              <a:rPr lang="en-US" altLang="zh-TW" sz="2667" dirty="0">
+                <a:solidFill>
+                  <a:schemeClr val="dk1"/>
+                </a:solidFill>
+              </a:rPr>
+              <a:t>1. </a:t>
+            </a:r>
+            <a:r>
+              <a:rPr lang="en-US" altLang="zh-TW" sz="2800" dirty="0">
+                <a:solidFill>
+                  <a:schemeClr val="dk1"/>
+                </a:solidFill>
+              </a:rPr>
+              <a:t>Deep Learning Framework: </a:t>
+            </a:r>
+            <a:r>
+              <a:rPr lang="en-US" altLang="zh-TW" sz="2800" dirty="0" err="1">
+                <a:solidFill>
+                  <a:schemeClr val="dk1"/>
+                </a:solidFill>
+              </a:rPr>
+              <a:t>Tensorflow</a:t>
+            </a:r>
+            <a:r>
+              <a:rPr lang="en-US" altLang="zh-TW" sz="2800" dirty="0">
+                <a:solidFill>
+                  <a:schemeClr val="dk1"/>
+                </a:solidFill>
+              </a:rPr>
+              <a:t> and </a:t>
+            </a:r>
+            <a:r>
+              <a:rPr lang="en-US" altLang="zh-TW" sz="2800" dirty="0" err="1">
+                <a:solidFill>
+                  <a:schemeClr val="dk1"/>
+                </a:solidFill>
+              </a:rPr>
+              <a:t>Pytorch</a:t>
+            </a:r>
+            <a:endParaRPr sz="2800" dirty="0">
+              <a:solidFill>
+                <a:schemeClr val="dk1"/>
+              </a:solidFill>
+            </a:endParaRPr>
+          </a:p>
+          <a:p>
+            <a:pPr>
+              <a:lnSpc>
+                <a:spcPct val="150000"/>
+              </a:lnSpc>
+              <a:spcBef>
+                <a:spcPts val="1600"/>
+              </a:spcBef>
+            </a:pPr>
+            <a:r>
+              <a:rPr lang="en-US" altLang="zh-TW" sz="2800" dirty="0">
+                <a:solidFill>
+                  <a:schemeClr val="dk1"/>
+                </a:solidFill>
+              </a:rPr>
+              <a:t>2. Deep Learning Model Architectures:</a:t>
+            </a:r>
+            <a:br>
+              <a:rPr lang="en-US" altLang="zh-TW" sz="2800" dirty="0">
+                <a:solidFill>
+                  <a:schemeClr val="dk1"/>
+                </a:solidFill>
+              </a:rPr>
+            </a:br>
+            <a:r>
+              <a:rPr lang="en-US" altLang="zh-TW" sz="2800" dirty="0">
+                <a:solidFill>
+                  <a:schemeClr val="dk1"/>
+                </a:solidFill>
+              </a:rPr>
+              <a:t>     VAD: Two-Layer Full Connected Neural Network.</a:t>
+            </a:r>
+            <a:br>
+              <a:rPr lang="en-US" altLang="zh-TW" sz="2800" dirty="0">
+                <a:solidFill>
+                  <a:schemeClr val="dk1"/>
+                </a:solidFill>
+              </a:rPr>
+            </a:br>
+            <a:r>
+              <a:rPr lang="en-US" altLang="zh-TW" sz="2800" dirty="0">
+                <a:solidFill>
+                  <a:schemeClr val="dk1"/>
+                </a:solidFill>
+              </a:rPr>
+              <a:t>     KWS: Three-Layer Full Connected Neural Network.</a:t>
+            </a:r>
+            <a:endParaRPr sz="2800" dirty="0">
+              <a:solidFill>
+                <a:schemeClr val="dk1"/>
+              </a:solidFill>
+            </a:endParaRPr>
+          </a:p>
+          <a:p>
+            <a:pPr>
+              <a:lnSpc>
+                <a:spcPct val="150000"/>
+              </a:lnSpc>
+              <a:spcBef>
+                <a:spcPts val="1600"/>
+              </a:spcBef>
+            </a:pPr>
+            <a:r>
+              <a:rPr lang="en-US" altLang="zh-TW" sz="2800" dirty="0">
+                <a:solidFill>
+                  <a:schemeClr val="dk1"/>
+                </a:solidFill>
+              </a:rPr>
+              <a:t>3. Training Speech Corpus: Keyword-spotting research datasets.</a:t>
+            </a:r>
+            <a:endParaRPr sz="2800" dirty="0">
+              <a:solidFill>
+                <a:schemeClr val="dk1"/>
+              </a:solidFill>
+            </a:endParaRPr>
+          </a:p>
+          <a:p>
+            <a:pPr>
+              <a:lnSpc>
+                <a:spcPct val="150000"/>
+              </a:lnSpc>
+              <a:spcBef>
+                <a:spcPts val="1600"/>
+              </a:spcBef>
+            </a:pPr>
+            <a:r>
+              <a:rPr lang="en-US" altLang="zh-TW" sz="2800" dirty="0">
+                <a:solidFill>
+                  <a:schemeClr val="dk1"/>
+                </a:solidFill>
+              </a:rPr>
+              <a:t>4. Compression Approach: Int8 Quantization.</a:t>
+            </a:r>
+            <a:endParaRPr sz="2800" dirty="0">
+              <a:solidFill>
+                <a:schemeClr val="dk1"/>
+              </a:solidFill>
             </a:endParaRPr>
           </a:p>
           <a:p>

--- a/Interview_Repo/PPT/ppt_for_環球睿視.pptx
+++ b/Interview_Repo/PPT/ppt_for_環球睿視.pptx
@@ -4866,6 +4866,19 @@
                 <a:ea typeface="Kaiti SC" panose="02010600040101010101" pitchFamily="2" charset="-122"/>
               </a:rPr>
               <a:t>工作經歷</a:t>
+            </a:r>
+            <a:br>
+              <a:rPr kumimoji="1" lang="en-US" altLang="zh-TW" sz="5600" dirty="0">
+                <a:latin typeface="Kaiti SC" panose="02010600040101010101" pitchFamily="2" charset="-122"/>
+                <a:ea typeface="Kaiti SC" panose="02010600040101010101" pitchFamily="2" charset="-122"/>
+              </a:rPr>
+            </a:br>
+            <a:r>
+              <a:rPr kumimoji="1" lang="zh-TW" altLang="en-US" sz="2700" dirty="0">
+                <a:latin typeface="Kaiti SC" panose="02010600040101010101" pitchFamily="2" charset="-122"/>
+                <a:ea typeface="Kaiti SC" panose="02010600040101010101" pitchFamily="2" charset="-122"/>
+              </a:rPr>
+              <a:t>廖介任</a:t>
             </a:r>
           </a:p>
         </p:txBody>
